--- a/homework/quantum computing .pptx
+++ b/homework/quantum computing .pptx
@@ -5,7 +5,7 @@
     <p:sldMasterId id="2147483648" r:id="rId1"/>
   </p:sldMasterIdLst>
   <p:notesMasterIdLst>
-    <p:notesMasterId r:id="rId22"/>
+    <p:notesMasterId r:id="rId25"/>
   </p:notesMasterIdLst>
   <p:sldIdLst>
     <p:sldId id="256" r:id="rId2"/>
@@ -16,18 +16,21 @@
     <p:sldId id="268" r:id="rId7"/>
     <p:sldId id="266" r:id="rId8"/>
     <p:sldId id="267" r:id="rId9"/>
-    <p:sldId id="273" r:id="rId10"/>
-    <p:sldId id="278" r:id="rId11"/>
-    <p:sldId id="279" r:id="rId12"/>
-    <p:sldId id="280" r:id="rId13"/>
-    <p:sldId id="272" r:id="rId14"/>
-    <p:sldId id="275" r:id="rId15"/>
-    <p:sldId id="276" r:id="rId16"/>
-    <p:sldId id="281" r:id="rId17"/>
-    <p:sldId id="277" r:id="rId18"/>
-    <p:sldId id="274" r:id="rId19"/>
-    <p:sldId id="269" r:id="rId20"/>
-    <p:sldId id="270" r:id="rId21"/>
+    <p:sldId id="272" r:id="rId10"/>
+    <p:sldId id="275" r:id="rId11"/>
+    <p:sldId id="276" r:id="rId12"/>
+    <p:sldId id="281" r:id="rId13"/>
+    <p:sldId id="277" r:id="rId14"/>
+    <p:sldId id="274" r:id="rId15"/>
+    <p:sldId id="269" r:id="rId16"/>
+    <p:sldId id="270" r:id="rId17"/>
+    <p:sldId id="273" r:id="rId18"/>
+    <p:sldId id="278" r:id="rId19"/>
+    <p:sldId id="279" r:id="rId20"/>
+    <p:sldId id="282" r:id="rId21"/>
+    <p:sldId id="280" r:id="rId22"/>
+    <p:sldId id="283" r:id="rId23"/>
+    <p:sldId id="284" r:id="rId24"/>
   </p:sldIdLst>
   <p:sldSz cx="12192000" cy="6858000"/>
   <p:notesSz cx="6858000" cy="9144000"/>
@@ -126,6 +129,11 @@
       </a:defRPr>
     </a:lvl9pPr>
   </p:defaultTextStyle>
+  <p:extLst>
+    <p:ext uri="{EFAFB233-063F-42B5-8137-9DF3F51BA10A}">
+      <p15:sldGuideLst xmlns:p15="http://schemas.microsoft.com/office/powerpoint/2012/main"/>
+    </p:ext>
+  </p:extLst>
 </p:presentation>
 </file>
 
@@ -211,7 +219,7 @@
           <a:p>
             <a:fld id="{D227C2D2-0941-42D5-B20E-C62C570094F1}" type="datetimeFigureOut">
               <a:rPr lang="zh-CN" altLang="en-US" smtClean="0"/>
-              <a:t>2021/10/19</a:t>
+              <a:t>2021/10/21</a:t>
             </a:fld>
             <a:endParaRPr lang="zh-CN" altLang="en-US"/>
           </a:p>
@@ -730,7 +738,7 @@
           <a:p>
             <a:fld id="{808A82D9-35E5-45DC-8511-7810B5C1ACAF}" type="slidenum">
               <a:rPr lang="zh-CN" altLang="en-US" smtClean="0"/>
-              <a:t>14</a:t>
+              <a:t>10</a:t>
             </a:fld>
             <a:endParaRPr lang="zh-CN" altLang="en-US"/>
           </a:p>
@@ -896,7 +904,7 @@
           <a:p>
             <a:fld id="{06E4062F-3F03-4A8D-A40D-AB320D3621EC}" type="datetimeFigureOut">
               <a:rPr lang="zh-CN" altLang="en-US" smtClean="0"/>
-              <a:t>2021/10/19</a:t>
+              <a:t>2021/10/21</a:t>
             </a:fld>
             <a:endParaRPr lang="zh-CN" altLang="en-US"/>
           </a:p>
@@ -1094,7 +1102,7 @@
           <a:p>
             <a:fld id="{06E4062F-3F03-4A8D-A40D-AB320D3621EC}" type="datetimeFigureOut">
               <a:rPr lang="zh-CN" altLang="en-US" smtClean="0"/>
-              <a:t>2021/10/19</a:t>
+              <a:t>2021/10/21</a:t>
             </a:fld>
             <a:endParaRPr lang="zh-CN" altLang="en-US"/>
           </a:p>
@@ -1302,7 +1310,7 @@
           <a:p>
             <a:fld id="{06E4062F-3F03-4A8D-A40D-AB320D3621EC}" type="datetimeFigureOut">
               <a:rPr lang="zh-CN" altLang="en-US" smtClean="0"/>
-              <a:t>2021/10/19</a:t>
+              <a:t>2021/10/21</a:t>
             </a:fld>
             <a:endParaRPr lang="zh-CN" altLang="en-US"/>
           </a:p>
@@ -1500,7 +1508,7 @@
           <a:p>
             <a:fld id="{06E4062F-3F03-4A8D-A40D-AB320D3621EC}" type="datetimeFigureOut">
               <a:rPr lang="zh-CN" altLang="en-US" smtClean="0"/>
-              <a:t>2021/10/19</a:t>
+              <a:t>2021/10/21</a:t>
             </a:fld>
             <a:endParaRPr lang="zh-CN" altLang="en-US"/>
           </a:p>
@@ -1775,7 +1783,7 @@
           <a:p>
             <a:fld id="{06E4062F-3F03-4A8D-A40D-AB320D3621EC}" type="datetimeFigureOut">
               <a:rPr lang="zh-CN" altLang="en-US" smtClean="0"/>
-              <a:t>2021/10/19</a:t>
+              <a:t>2021/10/21</a:t>
             </a:fld>
             <a:endParaRPr lang="zh-CN" altLang="en-US"/>
           </a:p>
@@ -2040,7 +2048,7 @@
           <a:p>
             <a:fld id="{06E4062F-3F03-4A8D-A40D-AB320D3621EC}" type="datetimeFigureOut">
               <a:rPr lang="zh-CN" altLang="en-US" smtClean="0"/>
-              <a:t>2021/10/19</a:t>
+              <a:t>2021/10/21</a:t>
             </a:fld>
             <a:endParaRPr lang="zh-CN" altLang="en-US"/>
           </a:p>
@@ -2452,7 +2460,7 @@
           <a:p>
             <a:fld id="{06E4062F-3F03-4A8D-A40D-AB320D3621EC}" type="datetimeFigureOut">
               <a:rPr lang="zh-CN" altLang="en-US" smtClean="0"/>
-              <a:t>2021/10/19</a:t>
+              <a:t>2021/10/21</a:t>
             </a:fld>
             <a:endParaRPr lang="zh-CN" altLang="en-US"/>
           </a:p>
@@ -2593,7 +2601,7 @@
           <a:p>
             <a:fld id="{06E4062F-3F03-4A8D-A40D-AB320D3621EC}" type="datetimeFigureOut">
               <a:rPr lang="zh-CN" altLang="en-US" smtClean="0"/>
-              <a:t>2021/10/19</a:t>
+              <a:t>2021/10/21</a:t>
             </a:fld>
             <a:endParaRPr lang="zh-CN" altLang="en-US"/>
           </a:p>
@@ -2706,7 +2714,7 @@
           <a:p>
             <a:fld id="{06E4062F-3F03-4A8D-A40D-AB320D3621EC}" type="datetimeFigureOut">
               <a:rPr lang="zh-CN" altLang="en-US" smtClean="0"/>
-              <a:t>2021/10/19</a:t>
+              <a:t>2021/10/21</a:t>
             </a:fld>
             <a:endParaRPr lang="zh-CN" altLang="en-US"/>
           </a:p>
@@ -3017,7 +3025,7 @@
           <a:p>
             <a:fld id="{06E4062F-3F03-4A8D-A40D-AB320D3621EC}" type="datetimeFigureOut">
               <a:rPr lang="zh-CN" altLang="en-US" smtClean="0"/>
-              <a:t>2021/10/19</a:t>
+              <a:t>2021/10/21</a:t>
             </a:fld>
             <a:endParaRPr lang="zh-CN" altLang="en-US"/>
           </a:p>
@@ -3305,7 +3313,7 @@
           <a:p>
             <a:fld id="{06E4062F-3F03-4A8D-A40D-AB320D3621EC}" type="datetimeFigureOut">
               <a:rPr lang="zh-CN" altLang="en-US" smtClean="0"/>
-              <a:t>2021/10/19</a:t>
+              <a:t>2021/10/21</a:t>
             </a:fld>
             <a:endParaRPr lang="zh-CN" altLang="en-US"/>
           </a:p>
@@ -3546,7 +3554,7 @@
           <a:p>
             <a:fld id="{06E4062F-3F03-4A8D-A40D-AB320D3621EC}" type="datetimeFigureOut">
               <a:rPr lang="zh-CN" altLang="en-US" smtClean="0"/>
-              <a:t>2021/10/19</a:t>
+              <a:t>2021/10/21</a:t>
             </a:fld>
             <a:endParaRPr lang="zh-CN" altLang="en-US"/>
           </a:p>
@@ -4175,7 +4183,7 @@
           <p:nvPr/>
         </p:nvPicPr>
         <p:blipFill>
-          <a:blip r:embed="rId2">
+          <a:blip r:embed="rId3">
             <a:extLst>
               <a:ext uri="{28A0092B-C50C-407E-A947-70E740481C1C}">
                 <a14:useLocalDpi xmlns:a14="http://schemas.microsoft.com/office/drawing/2010/main" val="0"/>
@@ -4222,7 +4230,7 @@
           <p:nvPr/>
         </p:nvPicPr>
         <p:blipFill>
-          <a:blip r:embed="rId3">
+          <a:blip r:embed="rId4">
             <a:extLst>
               <a:ext uri="{28A0092B-C50C-407E-A947-70E740481C1C}">
                 <a14:useLocalDpi xmlns:a14="http://schemas.microsoft.com/office/drawing/2010/main" val="0"/>
@@ -4254,55 +4262,12 @@
           </a:extLst>
         </p:spPr>
       </p:pic>
-      <p:cxnSp>
-        <p:nvCxnSpPr>
-          <p:cNvPr id="6" name="直接连接符 5">
-            <a:extLst>
-              <a:ext uri="{FF2B5EF4-FFF2-40B4-BE49-F238E27FC236}">
-                <a16:creationId xmlns:a16="http://schemas.microsoft.com/office/drawing/2014/main" id="{22DC6377-264B-4EAD-A31F-E0E0080AE03F}"/>
-              </a:ext>
-            </a:extLst>
-          </p:cNvPr>
-          <p:cNvCxnSpPr>
-            <a:cxnSpLocks/>
-          </p:cNvCxnSpPr>
-          <p:nvPr/>
-        </p:nvCxnSpPr>
-        <p:spPr>
-          <a:xfrm>
-            <a:off x="190613" y="637079"/>
-            <a:ext cx="10729609" cy="0"/>
-          </a:xfrm>
-          <a:prstGeom prst="line">
-            <a:avLst/>
-          </a:prstGeom>
-          <a:ln w="28575">
-            <a:solidFill>
-              <a:schemeClr val="accent1"/>
-            </a:solidFill>
-          </a:ln>
-        </p:spPr>
-        <p:style>
-          <a:lnRef idx="1">
-            <a:schemeClr val="accent1"/>
-          </a:lnRef>
-          <a:fillRef idx="0">
-            <a:schemeClr val="accent1"/>
-          </a:fillRef>
-          <a:effectRef idx="0">
-            <a:schemeClr val="accent1"/>
-          </a:effectRef>
-          <a:fontRef idx="minor">
-            <a:schemeClr val="tx1"/>
-          </a:fontRef>
-        </p:style>
-      </p:cxnSp>
       <p:sp>
         <p:nvSpPr>
-          <p:cNvPr id="7" name="文本框 6">
-            <a:extLst>
-              <a:ext uri="{FF2B5EF4-FFF2-40B4-BE49-F238E27FC236}">
-                <a16:creationId xmlns:a16="http://schemas.microsoft.com/office/drawing/2014/main" id="{30D318FC-5CAE-44D1-9E56-EBAD4CF9CCCE}"/>
+          <p:cNvPr id="6" name="文本框 5">
+            <a:extLst>
+              <a:ext uri="{FF2B5EF4-FFF2-40B4-BE49-F238E27FC236}">
+                <a16:creationId xmlns:a16="http://schemas.microsoft.com/office/drawing/2014/main" id="{3D33E1EC-987C-4F5F-BA79-8C0B7B04F831}"/>
               </a:ext>
             </a:extLst>
           </p:cNvPr>
@@ -4311,8 +4276,8 @@
         </p:nvSpPr>
         <p:spPr>
           <a:xfrm>
-            <a:off x="75892" y="0"/>
-            <a:ext cx="8346532" cy="584775"/>
+            <a:off x="324465" y="235578"/>
+            <a:ext cx="11562735" cy="2062103"/>
           </a:xfrm>
           <a:prstGeom prst="rect">
             <a:avLst/>
@@ -4320,84 +4285,253 @@
           <a:noFill/>
         </p:spPr>
         <p:txBody>
-          <a:bodyPr wrap="square" rtlCol="0">
+          <a:bodyPr wrap="square">
             <a:spAutoFit/>
           </a:bodyPr>
           <a:lstStyle/>
           <a:p>
             <a:r>
-              <a:rPr lang="zh-CN" altLang="en-US" sz="3200" b="1" dirty="0">
-                <a:solidFill>
-                  <a:schemeClr val="accent1">
-                    <a:lumMod val="75000"/>
-                  </a:schemeClr>
-                </a:solidFill>
-                <a:latin typeface="微软雅黑" panose="020B0503020204020204" pitchFamily="34" charset="-122"/>
-                <a:ea typeface="微软雅黑" panose="020B0503020204020204" pitchFamily="34" charset="-122"/>
-                <a:cs typeface="Times New Roman" panose="02020603050405020304" pitchFamily="18" charset="0"/>
-              </a:rPr>
-              <a:t>量子加密与量子通信</a:t>
-            </a:r>
-            <a:r>
-              <a:rPr lang="en-US" altLang="zh-CN" sz="3200" b="1" dirty="0">
-                <a:solidFill>
-                  <a:schemeClr val="accent1">
-                    <a:lumMod val="75000"/>
-                  </a:schemeClr>
-                </a:solidFill>
-                <a:latin typeface="微软雅黑" panose="020B0503020204020204" pitchFamily="34" charset="-122"/>
-                <a:ea typeface="微软雅黑" panose="020B0503020204020204" pitchFamily="34" charset="-122"/>
-                <a:cs typeface="Times New Roman" panose="02020603050405020304" pitchFamily="18" charset="0"/>
-              </a:rPr>
-              <a:t>  </a:t>
-            </a:r>
-            <a:endParaRPr lang="zh-CN" altLang="en-US" sz="3200" b="1" dirty="0">
-              <a:solidFill>
-                <a:schemeClr val="accent1">
-                  <a:lumMod val="75000"/>
-                </a:schemeClr>
-              </a:solidFill>
-              <a:latin typeface="微软雅黑" panose="020B0503020204020204" pitchFamily="34" charset="-122"/>
-              <a:ea typeface="微软雅黑" panose="020B0503020204020204" pitchFamily="34" charset="-122"/>
-              <a:cs typeface="Times New Roman" panose="02020603050405020304" pitchFamily="18" charset="0"/>
+              <a:rPr lang="zh-CN" altLang="en-US" sz="3200" b="0" i="0" dirty="0">
+                <a:solidFill>
+                  <a:srgbClr val="404040"/>
+                </a:solidFill>
+                <a:effectLst/>
+                <a:latin typeface="宋体" panose="02010600030101010101" pitchFamily="2" charset="-122"/>
+                <a:ea typeface="宋体" panose="02010600030101010101" pitchFamily="2" charset="-122"/>
+              </a:rPr>
+              <a:t>“量子霸权”这一概念最早是由加州理工学院理论物理学家</a:t>
+            </a:r>
+            <a:r>
+              <a:rPr lang="en-US" altLang="zh-CN" sz="3200" b="0" i="0" dirty="0">
+                <a:solidFill>
+                  <a:srgbClr val="404040"/>
+                </a:solidFill>
+                <a:effectLst/>
+                <a:latin typeface="宋体" panose="02010600030101010101" pitchFamily="2" charset="-122"/>
+                <a:ea typeface="宋体" panose="02010600030101010101" pitchFamily="2" charset="-122"/>
+              </a:rPr>
+              <a:t>John </a:t>
+            </a:r>
+            <a:r>
+              <a:rPr lang="en-US" altLang="zh-CN" sz="3200" b="0" i="0" dirty="0" err="1">
+                <a:solidFill>
+                  <a:srgbClr val="404040"/>
+                </a:solidFill>
+                <a:effectLst/>
+                <a:latin typeface="宋体" panose="02010600030101010101" pitchFamily="2" charset="-122"/>
+                <a:ea typeface="宋体" panose="02010600030101010101" pitchFamily="2" charset="-122"/>
+              </a:rPr>
+              <a:t>Preskill</a:t>
+            </a:r>
+            <a:r>
+              <a:rPr lang="zh-CN" altLang="en-US" sz="3200" b="0" i="0" dirty="0">
+                <a:solidFill>
+                  <a:srgbClr val="404040"/>
+                </a:solidFill>
+                <a:effectLst/>
+                <a:latin typeface="宋体" panose="02010600030101010101" pitchFamily="2" charset="-122"/>
+                <a:ea typeface="宋体" panose="02010600030101010101" pitchFamily="2" charset="-122"/>
+              </a:rPr>
+              <a:t>在</a:t>
+            </a:r>
+            <a:r>
+              <a:rPr lang="en-US" altLang="zh-CN" sz="3200" b="0" i="0" dirty="0">
+                <a:solidFill>
+                  <a:srgbClr val="404040"/>
+                </a:solidFill>
+                <a:effectLst/>
+                <a:latin typeface="宋体" panose="02010600030101010101" pitchFamily="2" charset="-122"/>
+                <a:ea typeface="宋体" panose="02010600030101010101" pitchFamily="2" charset="-122"/>
+              </a:rPr>
+              <a:t>2011</a:t>
+            </a:r>
+            <a:r>
+              <a:rPr lang="zh-CN" altLang="en-US" sz="3200" b="0" i="0" dirty="0">
+                <a:solidFill>
+                  <a:srgbClr val="404040"/>
+                </a:solidFill>
+                <a:effectLst/>
+                <a:latin typeface="宋体" panose="02010600030101010101" pitchFamily="2" charset="-122"/>
+                <a:ea typeface="宋体" panose="02010600030101010101" pitchFamily="2" charset="-122"/>
+              </a:rPr>
+              <a:t>年的一次演讲中提出的，也可翻译为“量子优越性”或“量子优势”。衡量量子计算机实现“量子霸权”的标准是：能比经典计算机更好地解决一个特定计算问题。</a:t>
+            </a:r>
+            <a:endParaRPr lang="zh-CN" altLang="en-US" sz="3200" dirty="0">
+              <a:latin typeface="宋体" panose="02010600030101010101" pitchFamily="2" charset="-122"/>
+              <a:ea typeface="宋体" panose="02010600030101010101" pitchFamily="2" charset="-122"/>
             </a:endParaRPr>
           </a:p>
         </p:txBody>
       </p:sp>
-      <p:pic>
-        <p:nvPicPr>
-          <p:cNvPr id="8" name="图片 7">
-            <a:extLst>
-              <a:ext uri="{FF2B5EF4-FFF2-40B4-BE49-F238E27FC236}">
-                <a16:creationId xmlns:a16="http://schemas.microsoft.com/office/drawing/2014/main" id="{00EA4128-E0C0-434C-94F0-4082231EFDCE}"/>
-              </a:ext>
-            </a:extLst>
-          </p:cNvPr>
-          <p:cNvPicPr>
-            <a:picLocks noChangeAspect="1"/>
-          </p:cNvPicPr>
+      <p:sp>
+        <p:nvSpPr>
+          <p:cNvPr id="8" name="文本框 7">
+            <a:extLst>
+              <a:ext uri="{FF2B5EF4-FFF2-40B4-BE49-F238E27FC236}">
+                <a16:creationId xmlns:a16="http://schemas.microsoft.com/office/drawing/2014/main" id="{EBFF680E-7088-4653-A68F-3E3548C01FC5}"/>
+              </a:ext>
+            </a:extLst>
+          </p:cNvPr>
+          <p:cNvSpPr txBox="1"/>
           <p:nvPr/>
-        </p:nvPicPr>
-        <p:blipFill>
-          <a:blip r:embed="rId4"/>
-          <a:stretch>
-            <a:fillRect/>
-          </a:stretch>
-        </p:blipFill>
+        </p:nvSpPr>
         <p:spPr>
           <a:xfrm>
-            <a:off x="2689937" y="873247"/>
-            <a:ext cx="6041107" cy="2695576"/>
+            <a:off x="501445" y="2692794"/>
+            <a:ext cx="11523406" cy="2554545"/>
           </a:xfrm>
           <a:prstGeom prst="rect">
             <a:avLst/>
           </a:prstGeom>
-        </p:spPr>
-      </p:pic>
+          <a:noFill/>
+        </p:spPr>
+        <p:txBody>
+          <a:bodyPr wrap="square">
+            <a:spAutoFit/>
+          </a:bodyPr>
+          <a:lstStyle/>
+          <a:p>
+            <a:pPr algn="l" fontAlgn="base"/>
+            <a:r>
+              <a:rPr lang="en-US" altLang="zh-CN" sz="3200" b="0" i="0" dirty="0">
+                <a:solidFill>
+                  <a:srgbClr val="0E0E0E"/>
+                </a:solidFill>
+                <a:effectLst/>
+                <a:latin typeface="宋体" panose="02010600030101010101" pitchFamily="2" charset="-122"/>
+                <a:ea typeface="宋体" panose="02010600030101010101" pitchFamily="2" charset="-122"/>
+              </a:rPr>
+              <a:t>2019</a:t>
+            </a:r>
+            <a:r>
+              <a:rPr lang="zh-CN" altLang="en-US" sz="3200" b="0" i="0" dirty="0">
+                <a:solidFill>
+                  <a:srgbClr val="0E0E0E"/>
+                </a:solidFill>
+                <a:effectLst/>
+                <a:latin typeface="宋体" panose="02010600030101010101" pitchFamily="2" charset="-122"/>
+                <a:ea typeface="宋体" panose="02010600030101010101" pitchFamily="2" charset="-122"/>
+              </a:rPr>
+              <a:t>年，谷歌在</a:t>
+            </a:r>
+            <a:r>
+              <a:rPr lang="en-US" altLang="zh-CN" sz="3200" dirty="0">
+                <a:solidFill>
+                  <a:srgbClr val="0E0E0E"/>
+                </a:solidFill>
+                <a:latin typeface="宋体" panose="02010600030101010101" pitchFamily="2" charset="-122"/>
+                <a:ea typeface="宋体" panose="02010600030101010101" pitchFamily="2" charset="-122"/>
+              </a:rPr>
+              <a:t>Nature</a:t>
+            </a:r>
+            <a:r>
+              <a:rPr lang="zh-CN" altLang="en-US" sz="3200" dirty="0">
+                <a:solidFill>
+                  <a:srgbClr val="0E0E0E"/>
+                </a:solidFill>
+                <a:latin typeface="宋体" panose="02010600030101010101" pitchFamily="2" charset="-122"/>
+                <a:ea typeface="宋体" panose="02010600030101010101" pitchFamily="2" charset="-122"/>
+              </a:rPr>
+              <a:t>上发表论文，声称</a:t>
+            </a:r>
+            <a:r>
+              <a:rPr lang="zh-CN" altLang="en-US" sz="3200" b="0" i="0" dirty="0">
+                <a:solidFill>
+                  <a:srgbClr val="0E0E0E"/>
+                </a:solidFill>
+                <a:effectLst/>
+                <a:latin typeface="宋体" panose="02010600030101010101" pitchFamily="2" charset="-122"/>
+                <a:ea typeface="宋体" panose="02010600030101010101" pitchFamily="2" charset="-122"/>
+              </a:rPr>
+              <a:t>实现“量子霸权”：谷歌打造出第一台能够超越当今最强大的超级计算机能力的量子计算机！</a:t>
+            </a:r>
+          </a:p>
+          <a:p>
+            <a:pPr algn="l" fontAlgn="base"/>
+            <a:r>
+              <a:rPr lang="zh-CN" altLang="en-US" sz="3200" b="0" i="0" dirty="0">
+                <a:solidFill>
+                  <a:srgbClr val="0E0E0E"/>
+                </a:solidFill>
+                <a:effectLst/>
+                <a:latin typeface="宋体" panose="02010600030101010101" pitchFamily="2" charset="-122"/>
+                <a:ea typeface="宋体" panose="02010600030101010101" pitchFamily="2" charset="-122"/>
+              </a:rPr>
+              <a:t>该量子系统只用了 </a:t>
+            </a:r>
+            <a:r>
+              <a:rPr lang="en-US" altLang="zh-CN" sz="3200" b="0" i="0" dirty="0">
+                <a:solidFill>
+                  <a:srgbClr val="0E0E0E"/>
+                </a:solidFill>
+                <a:effectLst/>
+                <a:latin typeface="宋体" panose="02010600030101010101" pitchFamily="2" charset="-122"/>
+                <a:ea typeface="宋体" panose="02010600030101010101" pitchFamily="2" charset="-122"/>
+              </a:rPr>
+              <a:t>200</a:t>
+            </a:r>
+            <a:r>
+              <a:rPr lang="zh-CN" altLang="en-US" sz="3200" b="0" i="0" dirty="0">
+                <a:solidFill>
+                  <a:srgbClr val="0E0E0E"/>
+                </a:solidFill>
+                <a:effectLst/>
+                <a:latin typeface="宋体" panose="02010600030101010101" pitchFamily="2" charset="-122"/>
+                <a:ea typeface="宋体" panose="02010600030101010101" pitchFamily="2" charset="-122"/>
+              </a:rPr>
+              <a:t>秒完成一个计算，而同样的计算用当今最强大的超级计算机 </a:t>
+            </a:r>
+            <a:r>
+              <a:rPr lang="en-US" altLang="zh-CN" sz="3200" b="0" i="0" dirty="0">
+                <a:solidFill>
+                  <a:srgbClr val="0E0E0E"/>
+                </a:solidFill>
+                <a:effectLst/>
+                <a:latin typeface="宋体" panose="02010600030101010101" pitchFamily="2" charset="-122"/>
+                <a:ea typeface="宋体" panose="02010600030101010101" pitchFamily="2" charset="-122"/>
+              </a:rPr>
+              <a:t>Summit</a:t>
+            </a:r>
+            <a:r>
+              <a:rPr lang="zh-CN" altLang="en-US" sz="3200" b="0" i="0" dirty="0">
+                <a:solidFill>
+                  <a:srgbClr val="0E0E0E"/>
+                </a:solidFill>
+                <a:effectLst/>
+                <a:latin typeface="宋体" panose="02010600030101010101" pitchFamily="2" charset="-122"/>
+                <a:ea typeface="宋体" panose="02010600030101010101" pitchFamily="2" charset="-122"/>
+              </a:rPr>
+              <a:t>执行，需要约</a:t>
+            </a:r>
+            <a:r>
+              <a:rPr lang="en-US" altLang="zh-CN" sz="3200" b="0" i="0" dirty="0">
+                <a:solidFill>
+                  <a:srgbClr val="0E0E0E"/>
+                </a:solidFill>
+                <a:effectLst/>
+                <a:latin typeface="宋体" panose="02010600030101010101" pitchFamily="2" charset="-122"/>
+                <a:ea typeface="宋体" panose="02010600030101010101" pitchFamily="2" charset="-122"/>
+              </a:rPr>
+              <a:t>10000</a:t>
+            </a:r>
+            <a:r>
+              <a:rPr lang="zh-CN" altLang="en-US" sz="3200" b="0" i="0" dirty="0">
+                <a:solidFill>
+                  <a:srgbClr val="0E0E0E"/>
+                </a:solidFill>
+                <a:effectLst/>
+                <a:latin typeface="宋体" panose="02010600030101010101" pitchFamily="2" charset="-122"/>
+                <a:ea typeface="宋体" panose="02010600030101010101" pitchFamily="2" charset="-122"/>
+              </a:rPr>
+              <a:t>年。</a:t>
+            </a:r>
+          </a:p>
+        </p:txBody>
+      </p:sp>
     </p:spTree>
     <p:extLst>
       <p:ext uri="{BB962C8B-B14F-4D97-AF65-F5344CB8AC3E}">
-        <p14:creationId xmlns:p14="http://schemas.microsoft.com/office/powerpoint/2010/main" val="1239631308"/>
+        <p14:creationId xmlns:p14="http://schemas.microsoft.com/office/powerpoint/2010/main" val="1204026133"/>
       </p:ext>
     </p:extLst>
   </p:cSld>
@@ -4518,10 +4652,57 @@
           </a:extLst>
         </p:spPr>
       </p:pic>
+      <p:pic>
+        <p:nvPicPr>
+          <p:cNvPr id="19458" name="Picture 2">
+            <a:extLst>
+              <a:ext uri="{FF2B5EF4-FFF2-40B4-BE49-F238E27FC236}">
+                <a16:creationId xmlns:a16="http://schemas.microsoft.com/office/drawing/2014/main" id="{6AE62726-4050-42F1-B466-2BA18AD5D90F}"/>
+              </a:ext>
+            </a:extLst>
+          </p:cNvPr>
+          <p:cNvPicPr>
+            <a:picLocks noChangeAspect="1" noChangeArrowheads="1"/>
+          </p:cNvPicPr>
+          <p:nvPr/>
+        </p:nvPicPr>
+        <p:blipFill>
+          <a:blip r:embed="rId4">
+            <a:extLst>
+              <a:ext uri="{28A0092B-C50C-407E-A947-70E740481C1C}">
+                <a14:useLocalDpi xmlns:a14="http://schemas.microsoft.com/office/drawing/2010/main" val="0"/>
+              </a:ext>
+            </a:extLst>
+          </a:blip>
+          <a:srcRect/>
+          <a:stretch>
+            <a:fillRect/>
+          </a:stretch>
+        </p:blipFill>
+        <p:spPr bwMode="auto">
+          <a:xfrm>
+            <a:off x="1993414" y="649251"/>
+            <a:ext cx="7497250" cy="5523271"/>
+          </a:xfrm>
+          <a:prstGeom prst="rect">
+            <a:avLst/>
+          </a:prstGeom>
+          <a:noFill/>
+          <a:extLst>
+            <a:ext uri="{909E8E84-426E-40DD-AFC4-6F175D3DCCD1}">
+              <a14:hiddenFill xmlns:a14="http://schemas.microsoft.com/office/drawing/2010/main">
+                <a:solidFill>
+                  <a:srgbClr val="FFFFFF"/>
+                </a:solidFill>
+              </a14:hiddenFill>
+            </a:ext>
+          </a:extLst>
+        </p:spPr>
+      </p:pic>
     </p:spTree>
     <p:extLst>
       <p:ext uri="{BB962C8B-B14F-4D97-AF65-F5344CB8AC3E}">
-        <p14:creationId xmlns:p14="http://schemas.microsoft.com/office/powerpoint/2010/main" val="1302013411"/>
+        <p14:creationId xmlns:p14="http://schemas.microsoft.com/office/powerpoint/2010/main" val="2123975882"/>
       </p:ext>
     </p:extLst>
   </p:cSld>
@@ -4642,40 +4823,182 @@
           </a:extLst>
         </p:spPr>
       </p:pic>
-      <p:pic>
-        <p:nvPicPr>
-          <p:cNvPr id="6" name="图片 5">
-            <a:extLst>
-              <a:ext uri="{FF2B5EF4-FFF2-40B4-BE49-F238E27FC236}">
-                <a16:creationId xmlns:a16="http://schemas.microsoft.com/office/drawing/2014/main" id="{456AC6AF-4A25-4571-9D96-5F099E798B98}"/>
-              </a:ext>
-            </a:extLst>
-          </p:cNvPr>
-          <p:cNvPicPr>
-            <a:picLocks noChangeAspect="1"/>
-          </p:cNvPicPr>
+      <p:sp>
+        <p:nvSpPr>
+          <p:cNvPr id="6" name="文本框 5">
+            <a:extLst>
+              <a:ext uri="{FF2B5EF4-FFF2-40B4-BE49-F238E27FC236}">
+                <a16:creationId xmlns:a16="http://schemas.microsoft.com/office/drawing/2014/main" id="{8EC6CAA8-C113-417E-BDB6-6A5D65CB2AFD}"/>
+              </a:ext>
+            </a:extLst>
+          </p:cNvPr>
+          <p:cNvSpPr txBox="1"/>
           <p:nvPr/>
-        </p:nvPicPr>
-        <p:blipFill>
-          <a:blip r:embed="rId4"/>
-          <a:stretch>
-            <a:fillRect/>
-          </a:stretch>
-        </p:blipFill>
+        </p:nvSpPr>
         <p:spPr>
           <a:xfrm>
-            <a:off x="1656075" y="903925"/>
-            <a:ext cx="8879849" cy="5050150"/>
+            <a:off x="-1" y="106910"/>
+            <a:ext cx="12024851" cy="4031873"/>
           </a:xfrm>
           <a:prstGeom prst="rect">
             <a:avLst/>
           </a:prstGeom>
-        </p:spPr>
-      </p:pic>
+          <a:noFill/>
+        </p:spPr>
+        <p:txBody>
+          <a:bodyPr wrap="square">
+            <a:spAutoFit/>
+          </a:bodyPr>
+          <a:lstStyle/>
+          <a:p>
+            <a:r>
+              <a:rPr lang="en-US" altLang="zh-CN" sz="3200" b="0" i="0" dirty="0">
+                <a:solidFill>
+                  <a:srgbClr val="333333"/>
+                </a:solidFill>
+                <a:effectLst/>
+                <a:latin typeface="宋体" panose="02010600030101010101" pitchFamily="2" charset="-122"/>
+                <a:ea typeface="宋体" panose="02010600030101010101" pitchFamily="2" charset="-122"/>
+              </a:rPr>
+              <a:t>2020</a:t>
+            </a:r>
+            <a:r>
+              <a:rPr lang="zh-CN" altLang="en-US" sz="3200" b="0" i="0" dirty="0">
+                <a:solidFill>
+                  <a:srgbClr val="333333"/>
+                </a:solidFill>
+                <a:effectLst/>
+                <a:latin typeface="宋体" panose="02010600030101010101" pitchFamily="2" charset="-122"/>
+                <a:ea typeface="宋体" panose="02010600030101010101" pitchFamily="2" charset="-122"/>
+              </a:rPr>
+              <a:t>年</a:t>
+            </a:r>
+            <a:r>
+              <a:rPr lang="en-US" altLang="zh-CN" sz="3200" b="0" i="0" dirty="0">
+                <a:solidFill>
+                  <a:srgbClr val="333333"/>
+                </a:solidFill>
+                <a:effectLst/>
+                <a:latin typeface="宋体" panose="02010600030101010101" pitchFamily="2" charset="-122"/>
+                <a:ea typeface="宋体" panose="02010600030101010101" pitchFamily="2" charset="-122"/>
+              </a:rPr>
+              <a:t>12</a:t>
+            </a:r>
+            <a:r>
+              <a:rPr lang="zh-CN" altLang="en-US" sz="3200" b="0" i="0" dirty="0">
+                <a:solidFill>
+                  <a:srgbClr val="333333"/>
+                </a:solidFill>
+                <a:effectLst/>
+                <a:latin typeface="宋体" panose="02010600030101010101" pitchFamily="2" charset="-122"/>
+                <a:ea typeface="宋体" panose="02010600030101010101" pitchFamily="2" charset="-122"/>
+              </a:rPr>
+              <a:t>月</a:t>
+            </a:r>
+            <a:r>
+              <a:rPr lang="en-US" altLang="zh-CN" sz="3200" b="0" i="0" dirty="0">
+                <a:solidFill>
+                  <a:srgbClr val="333333"/>
+                </a:solidFill>
+                <a:effectLst/>
+                <a:latin typeface="宋体" panose="02010600030101010101" pitchFamily="2" charset="-122"/>
+                <a:ea typeface="宋体" panose="02010600030101010101" pitchFamily="2" charset="-122"/>
+              </a:rPr>
+              <a:t>4</a:t>
+            </a:r>
+            <a:r>
+              <a:rPr lang="zh-CN" altLang="en-US" sz="3200" b="0" i="0" dirty="0">
+                <a:solidFill>
+                  <a:srgbClr val="333333"/>
+                </a:solidFill>
+                <a:effectLst/>
+                <a:latin typeface="宋体" panose="02010600030101010101" pitchFamily="2" charset="-122"/>
+                <a:ea typeface="宋体" panose="02010600030101010101" pitchFamily="2" charset="-122"/>
+              </a:rPr>
+              <a:t>日，中国科学技术大学潘建伟、陆朝阳等组成的研究团队，与中科院上海微系统所、国家并行计算机工程技术研究中心合作，构建了</a:t>
+            </a:r>
+            <a:r>
+              <a:rPr lang="en-US" altLang="zh-CN" sz="3200" b="0" i="0" dirty="0">
+                <a:solidFill>
+                  <a:srgbClr val="333333"/>
+                </a:solidFill>
+                <a:effectLst/>
+                <a:latin typeface="宋体" panose="02010600030101010101" pitchFamily="2" charset="-122"/>
+                <a:ea typeface="宋体" panose="02010600030101010101" pitchFamily="2" charset="-122"/>
+              </a:rPr>
+              <a:t>76</a:t>
+            </a:r>
+            <a:r>
+              <a:rPr lang="zh-CN" altLang="en-US" sz="3200" b="0" i="0" dirty="0">
+                <a:solidFill>
+                  <a:srgbClr val="333333"/>
+                </a:solidFill>
+                <a:effectLst/>
+                <a:latin typeface="宋体" panose="02010600030101010101" pitchFamily="2" charset="-122"/>
+                <a:ea typeface="宋体" panose="02010600030101010101" pitchFamily="2" charset="-122"/>
+              </a:rPr>
+              <a:t>个光子的量子计算原型机“九章”，实现了具有实用前景的“高斯玻色取样”任务的快速求解。（发表于 </a:t>
+            </a:r>
+            <a:r>
+              <a:rPr lang="en-US" altLang="zh-CN" sz="3200" b="0" i="0" dirty="0">
+                <a:solidFill>
+                  <a:srgbClr val="333333"/>
+                </a:solidFill>
+                <a:effectLst/>
+                <a:latin typeface="宋体" panose="02010600030101010101" pitchFamily="2" charset="-122"/>
+                <a:ea typeface="宋体" panose="02010600030101010101" pitchFamily="2" charset="-122"/>
+              </a:rPr>
+              <a:t>Science</a:t>
+            </a:r>
+            <a:r>
+              <a:rPr lang="zh-CN" altLang="en-US" sz="3200" b="0" i="0" dirty="0">
+                <a:solidFill>
+                  <a:srgbClr val="333333"/>
+                </a:solidFill>
+                <a:effectLst/>
+                <a:latin typeface="宋体" panose="02010600030101010101" pitchFamily="2" charset="-122"/>
+                <a:ea typeface="宋体" panose="02010600030101010101" pitchFamily="2" charset="-122"/>
+              </a:rPr>
+              <a:t>）</a:t>
+            </a:r>
+            <a:endParaRPr lang="en-US" altLang="zh-CN" sz="3200" b="0" i="0" dirty="0">
+              <a:solidFill>
+                <a:srgbClr val="333333"/>
+              </a:solidFill>
+              <a:effectLst/>
+              <a:latin typeface="宋体" panose="02010600030101010101" pitchFamily="2" charset="-122"/>
+              <a:ea typeface="宋体" panose="02010600030101010101" pitchFamily="2" charset="-122"/>
+            </a:endParaRPr>
+          </a:p>
+          <a:p>
+            <a:endParaRPr lang="en-US" altLang="zh-CN" sz="3200" dirty="0">
+              <a:solidFill>
+                <a:srgbClr val="333333"/>
+              </a:solidFill>
+              <a:latin typeface="宋体" panose="02010600030101010101" pitchFamily="2" charset="-122"/>
+              <a:ea typeface="宋体" panose="02010600030101010101" pitchFamily="2" charset="-122"/>
+            </a:endParaRPr>
+          </a:p>
+          <a:p>
+            <a:pPr algn="just"/>
+            <a:r>
+              <a:rPr lang="zh-CN" altLang="en-US" sz="3200" b="0" i="0" dirty="0">
+                <a:solidFill>
+                  <a:srgbClr val="333333"/>
+                </a:solidFill>
+                <a:effectLst/>
+                <a:latin typeface="宋体" panose="02010600030101010101" pitchFamily="2" charset="-122"/>
+                <a:ea typeface="宋体" panose="02010600030101010101" pitchFamily="2" charset="-122"/>
+              </a:rPr>
+              <a:t>据现有理论，该量子计算系统处理高斯玻色取样的速度比目前最快的超级计算机快一百万亿倍，即“九章”一分钟完成的任务，超级计算机需要一亿年。</a:t>
+            </a:r>
+          </a:p>
+        </p:txBody>
+      </p:sp>
     </p:spTree>
     <p:extLst>
       <p:ext uri="{BB962C8B-B14F-4D97-AF65-F5344CB8AC3E}">
-        <p14:creationId xmlns:p14="http://schemas.microsoft.com/office/powerpoint/2010/main" val="520934393"/>
+        <p14:creationId xmlns:p14="http://schemas.microsoft.com/office/powerpoint/2010/main" val="3250716436"/>
       </p:ext>
     </p:extLst>
   </p:cSld>
@@ -4796,200 +5119,57 @@
           </a:extLst>
         </p:spPr>
       </p:pic>
-      <p:sp>
-        <p:nvSpPr>
-          <p:cNvPr id="6" name="矩形 5">
-            <a:extLst>
-              <a:ext uri="{FF2B5EF4-FFF2-40B4-BE49-F238E27FC236}">
-                <a16:creationId xmlns:a16="http://schemas.microsoft.com/office/drawing/2014/main" id="{680B920A-5AD9-41E8-AFBD-6211CED56FD9}"/>
-              </a:ext>
-            </a:extLst>
-          </p:cNvPr>
-          <p:cNvSpPr/>
+      <p:pic>
+        <p:nvPicPr>
+          <p:cNvPr id="18434" name="Picture 2">
+            <a:extLst>
+              <a:ext uri="{FF2B5EF4-FFF2-40B4-BE49-F238E27FC236}">
+                <a16:creationId xmlns:a16="http://schemas.microsoft.com/office/drawing/2014/main" id="{0C33C89E-C8FA-495A-8B8C-140C58518141}"/>
+              </a:ext>
+            </a:extLst>
+          </p:cNvPr>
+          <p:cNvPicPr>
+            <a:picLocks noChangeAspect="1" noChangeArrowheads="1"/>
+          </p:cNvPicPr>
           <p:nvPr/>
-        </p:nvSpPr>
-        <p:spPr>
-          <a:xfrm>
-            <a:off x="2663009" y="1305683"/>
-            <a:ext cx="6865982" cy="923330"/>
+        </p:nvPicPr>
+        <p:blipFill>
+          <a:blip r:embed="rId4">
+            <a:extLst>
+              <a:ext uri="{28A0092B-C50C-407E-A947-70E740481C1C}">
+                <a14:useLocalDpi xmlns:a14="http://schemas.microsoft.com/office/drawing/2010/main" val="0"/>
+              </a:ext>
+            </a:extLst>
+          </a:blip>
+          <a:srcRect/>
+          <a:stretch>
+            <a:fillRect/>
+          </a:stretch>
+        </p:blipFill>
+        <p:spPr bwMode="auto">
+          <a:xfrm>
+            <a:off x="1518162" y="516501"/>
+            <a:ext cx="9434973" cy="5301879"/>
           </a:xfrm>
           <a:prstGeom prst="rect">
             <a:avLst/>
           </a:prstGeom>
           <a:noFill/>
-        </p:spPr>
-        <p:txBody>
-          <a:bodyPr wrap="none" lIns="91440" tIns="45720" rIns="91440" bIns="45720">
-            <a:spAutoFit/>
-          </a:bodyPr>
-          <a:lstStyle/>
-          <a:p>
-            <a:pPr algn="ctr"/>
-            <a:r>
-              <a:rPr lang="en-US" altLang="zh-CN" sz="5400" b="1" cap="none" spc="0" dirty="0">
-                <a:ln w="9525">
-                  <a:solidFill>
-                    <a:schemeClr val="bg1"/>
-                  </a:solidFill>
-                  <a:prstDash val="solid"/>
-                </a:ln>
-                <a:solidFill>
-                  <a:schemeClr val="accent5"/>
-                </a:solidFill>
-                <a:effectLst>
-                  <a:outerShdw blurRad="12700" dist="38100" dir="2700000" algn="tl" rotWithShape="0">
-                    <a:schemeClr val="accent5">
-                      <a:lumMod val="60000"/>
-                      <a:lumOff val="40000"/>
-                    </a:schemeClr>
-                  </a:outerShdw>
-                </a:effectLst>
-              </a:rPr>
-              <a:t>Quantum Computing</a:t>
-            </a:r>
-            <a:endParaRPr lang="zh-CN" altLang="en-US" sz="5400" b="1" cap="none" spc="0" dirty="0">
-              <a:ln w="9525">
-                <a:solidFill>
-                  <a:schemeClr val="bg1"/>
-                </a:solidFill>
-                <a:prstDash val="solid"/>
-              </a:ln>
-              <a:solidFill>
-                <a:schemeClr val="accent5"/>
-              </a:solidFill>
-              <a:effectLst>
-                <a:outerShdw blurRad="12700" dist="38100" dir="2700000" algn="tl" rotWithShape="0">
-                  <a:schemeClr val="accent5">
-                    <a:lumMod val="60000"/>
-                    <a:lumOff val="40000"/>
-                  </a:schemeClr>
-                </a:outerShdw>
-              </a:effectLst>
-            </a:endParaRPr>
-          </a:p>
-        </p:txBody>
-      </p:sp>
-      <p:sp>
-        <p:nvSpPr>
-          <p:cNvPr id="2" name="矩形 1">
-            <a:extLst>
-              <a:ext uri="{FF2B5EF4-FFF2-40B4-BE49-F238E27FC236}">
-                <a16:creationId xmlns:a16="http://schemas.microsoft.com/office/drawing/2014/main" id="{6E03CBE7-24AF-4EB9-93B4-FEA9AFBB336C}"/>
-              </a:ext>
-            </a:extLst>
-          </p:cNvPr>
-          <p:cNvSpPr/>
-          <p:nvPr/>
-        </p:nvSpPr>
-        <p:spPr>
-          <a:xfrm>
-            <a:off x="610368" y="4167323"/>
-            <a:ext cx="10971273" cy="923330"/>
-          </a:xfrm>
-          <a:prstGeom prst="rect">
-            <a:avLst/>
-          </a:prstGeom>
-          <a:noFill/>
-        </p:spPr>
-        <p:txBody>
-          <a:bodyPr wrap="none" lIns="91440" tIns="45720" rIns="91440" bIns="45720">
-            <a:spAutoFit/>
-          </a:bodyPr>
-          <a:lstStyle/>
-          <a:p>
-            <a:pPr algn="ctr"/>
-            <a:r>
-              <a:rPr lang="zh-CN" altLang="en-US" sz="5400" b="1" dirty="0">
-                <a:ln w="13462">
-                  <a:solidFill>
-                    <a:schemeClr val="bg1"/>
-                  </a:solidFill>
-                  <a:prstDash val="solid"/>
-                </a:ln>
-                <a:solidFill>
-                  <a:schemeClr val="tx1">
-                    <a:lumMod val="85000"/>
-                    <a:lumOff val="15000"/>
-                  </a:schemeClr>
-                </a:solidFill>
-                <a:effectLst>
-                  <a:outerShdw dist="38100" dir="2700000" algn="bl" rotWithShape="0">
-                    <a:schemeClr val="accent5"/>
-                  </a:outerShdw>
-                </a:effectLst>
-              </a:rPr>
-              <a:t>量子霸权 （</a:t>
-            </a:r>
-            <a:r>
-              <a:rPr lang="en-US" altLang="zh-CN" sz="5400" b="1" dirty="0">
-                <a:ln w="13462">
-                  <a:solidFill>
-                    <a:schemeClr val="bg1"/>
-                  </a:solidFill>
-                  <a:prstDash val="solid"/>
-                </a:ln>
-                <a:solidFill>
-                  <a:schemeClr val="tx1">
-                    <a:lumMod val="85000"/>
-                    <a:lumOff val="15000"/>
-                  </a:schemeClr>
-                </a:solidFill>
-                <a:effectLst>
-                  <a:outerShdw dist="38100" dir="2700000" algn="bl" rotWithShape="0">
-                    <a:schemeClr val="accent5"/>
-                  </a:outerShdw>
-                </a:effectLst>
-              </a:rPr>
-              <a:t>quantum supremacy</a:t>
-            </a:r>
-            <a:r>
-              <a:rPr lang="zh-CN" altLang="en-US" sz="5400" b="1" dirty="0">
-                <a:ln w="13462">
-                  <a:solidFill>
-                    <a:schemeClr val="bg1"/>
-                  </a:solidFill>
-                  <a:prstDash val="solid"/>
-                </a:ln>
-                <a:solidFill>
-                  <a:schemeClr val="tx1">
-                    <a:lumMod val="85000"/>
-                    <a:lumOff val="15000"/>
-                  </a:schemeClr>
-                </a:solidFill>
-                <a:effectLst>
-                  <a:outerShdw dist="38100" dir="2700000" algn="bl" rotWithShape="0">
-                    <a:schemeClr val="accent5"/>
-                  </a:outerShdw>
-                </a:effectLst>
-              </a:rPr>
-              <a:t>）</a:t>
-            </a:r>
-            <a:endParaRPr lang="zh-CN" altLang="en-US" sz="5400" b="1" cap="none" spc="0" dirty="0">
-              <a:ln w="13462">
-                <a:solidFill>
-                  <a:schemeClr val="bg1"/>
-                </a:solidFill>
-                <a:prstDash val="solid"/>
-              </a:ln>
-              <a:solidFill>
-                <a:schemeClr val="tx1">
-                  <a:lumMod val="85000"/>
-                  <a:lumOff val="15000"/>
-                </a:schemeClr>
-              </a:solidFill>
-              <a:effectLst>
-                <a:outerShdw dist="38100" dir="2700000" algn="bl" rotWithShape="0">
-                  <a:schemeClr val="accent5"/>
-                </a:outerShdw>
-              </a:effectLst>
-            </a:endParaRPr>
-          </a:p>
-        </p:txBody>
-      </p:sp>
+          <a:extLst>
+            <a:ext uri="{909E8E84-426E-40DD-AFC4-6F175D3DCCD1}">
+              <a14:hiddenFill xmlns:a14="http://schemas.microsoft.com/office/drawing/2010/main">
+                <a:solidFill>
+                  <a:srgbClr val="FFFFFF"/>
+                </a:solidFill>
+              </a14:hiddenFill>
+            </a:ext>
+          </a:extLst>
+        </p:spPr>
+      </p:pic>
     </p:spTree>
     <p:extLst>
       <p:ext uri="{BB962C8B-B14F-4D97-AF65-F5344CB8AC3E}">
-        <p14:creationId xmlns:p14="http://schemas.microsoft.com/office/powerpoint/2010/main" val="3679942928"/>
+        <p14:creationId xmlns:p14="http://schemas.microsoft.com/office/powerpoint/2010/main" val="980314187"/>
       </p:ext>
     </p:extLst>
   </p:cSld>
@@ -5031,7 +5211,7 @@
           <p:nvPr/>
         </p:nvPicPr>
         <p:blipFill>
-          <a:blip r:embed="rId3">
+          <a:blip r:embed="rId2">
             <a:extLst>
               <a:ext uri="{28A0092B-C50C-407E-A947-70E740481C1C}">
                 <a14:useLocalDpi xmlns:a14="http://schemas.microsoft.com/office/drawing/2010/main" val="0"/>
@@ -5078,7 +5258,7 @@
           <p:nvPr/>
         </p:nvPicPr>
         <p:blipFill>
-          <a:blip r:embed="rId4">
+          <a:blip r:embed="rId3">
             <a:extLst>
               <a:ext uri="{28A0092B-C50C-407E-A947-70E740481C1C}">
                 <a14:useLocalDpi xmlns:a14="http://schemas.microsoft.com/office/drawing/2010/main" val="0"/>
@@ -5112,20 +5292,20 @@
       </p:pic>
       <p:sp>
         <p:nvSpPr>
-          <p:cNvPr id="6" name="文本框 5">
-            <a:extLst>
-              <a:ext uri="{FF2B5EF4-FFF2-40B4-BE49-F238E27FC236}">
-                <a16:creationId xmlns:a16="http://schemas.microsoft.com/office/drawing/2014/main" id="{3D33E1EC-987C-4F5F-BA79-8C0B7B04F831}"/>
-              </a:ext>
-            </a:extLst>
-          </p:cNvPr>
-          <p:cNvSpPr txBox="1"/>
+          <p:cNvPr id="6" name="矩形 5">
+            <a:extLst>
+              <a:ext uri="{FF2B5EF4-FFF2-40B4-BE49-F238E27FC236}">
+                <a16:creationId xmlns:a16="http://schemas.microsoft.com/office/drawing/2014/main" id="{680B920A-5AD9-41E8-AFBD-6211CED56FD9}"/>
+              </a:ext>
+            </a:extLst>
+          </p:cNvPr>
+          <p:cNvSpPr/>
           <p:nvPr/>
         </p:nvSpPr>
         <p:spPr>
           <a:xfrm>
-            <a:off x="324465" y="235578"/>
-            <a:ext cx="11562735" cy="2062103"/>
+            <a:off x="2663009" y="1305683"/>
+            <a:ext cx="6865982" cy="923330"/>
           </a:xfrm>
           <a:prstGeom prst="rect">
             <a:avLst/>
@@ -5133,100 +5313,72 @@
           <a:noFill/>
         </p:spPr>
         <p:txBody>
-          <a:bodyPr wrap="square">
+          <a:bodyPr wrap="none" lIns="91440" tIns="45720" rIns="91440" bIns="45720">
             <a:spAutoFit/>
           </a:bodyPr>
           <a:lstStyle/>
           <a:p>
-            <a:r>
-              <a:rPr lang="zh-CN" altLang="en-US" sz="3200" b="0" i="0" dirty="0">
-                <a:solidFill>
-                  <a:srgbClr val="404040"/>
-                </a:solidFill>
-                <a:effectLst/>
-                <a:latin typeface="宋体" panose="02010600030101010101" pitchFamily="2" charset="-122"/>
-                <a:ea typeface="宋体" panose="02010600030101010101" pitchFamily="2" charset="-122"/>
-              </a:rPr>
-              <a:t>“量子霸权”这一概念最早是由加州理工学院理论物理学家</a:t>
-            </a:r>
-            <a:r>
-              <a:rPr lang="en-US" altLang="zh-CN" sz="3200" b="0" i="0" dirty="0">
-                <a:solidFill>
-                  <a:srgbClr val="404040"/>
-                </a:solidFill>
-                <a:effectLst/>
-                <a:latin typeface="宋体" panose="02010600030101010101" pitchFamily="2" charset="-122"/>
-                <a:ea typeface="宋体" panose="02010600030101010101" pitchFamily="2" charset="-122"/>
-              </a:rPr>
-              <a:t>John </a:t>
-            </a:r>
-            <a:r>
-              <a:rPr lang="en-US" altLang="zh-CN" sz="3200" b="0" i="0" dirty="0" err="1">
-                <a:solidFill>
-                  <a:srgbClr val="404040"/>
-                </a:solidFill>
-                <a:effectLst/>
-                <a:latin typeface="宋体" panose="02010600030101010101" pitchFamily="2" charset="-122"/>
-                <a:ea typeface="宋体" panose="02010600030101010101" pitchFamily="2" charset="-122"/>
-              </a:rPr>
-              <a:t>Preskill</a:t>
-            </a:r>
-            <a:r>
-              <a:rPr lang="zh-CN" altLang="en-US" sz="3200" b="0" i="0" dirty="0">
-                <a:solidFill>
-                  <a:srgbClr val="404040"/>
-                </a:solidFill>
-                <a:effectLst/>
-                <a:latin typeface="宋体" panose="02010600030101010101" pitchFamily="2" charset="-122"/>
-                <a:ea typeface="宋体" panose="02010600030101010101" pitchFamily="2" charset="-122"/>
-              </a:rPr>
-              <a:t>在</a:t>
-            </a:r>
-            <a:r>
-              <a:rPr lang="en-US" altLang="zh-CN" sz="3200" b="0" i="0" dirty="0">
-                <a:solidFill>
-                  <a:srgbClr val="404040"/>
-                </a:solidFill>
-                <a:effectLst/>
-                <a:latin typeface="宋体" panose="02010600030101010101" pitchFamily="2" charset="-122"/>
-                <a:ea typeface="宋体" panose="02010600030101010101" pitchFamily="2" charset="-122"/>
-              </a:rPr>
-              <a:t>2011</a:t>
-            </a:r>
-            <a:r>
-              <a:rPr lang="zh-CN" altLang="en-US" sz="3200" b="0" i="0" dirty="0">
-                <a:solidFill>
-                  <a:srgbClr val="404040"/>
-                </a:solidFill>
-                <a:effectLst/>
-                <a:latin typeface="宋体" panose="02010600030101010101" pitchFamily="2" charset="-122"/>
-                <a:ea typeface="宋体" panose="02010600030101010101" pitchFamily="2" charset="-122"/>
-              </a:rPr>
-              <a:t>年的一次演讲中提出的，也可翻译为“量子优越性”或“量子优势”。衡量量子计算机实现“量子霸权”的标准是：能比经典计算机更好地解决一个特定计算问题。</a:t>
-            </a:r>
-            <a:endParaRPr lang="zh-CN" altLang="en-US" sz="3200" dirty="0">
-              <a:latin typeface="宋体" panose="02010600030101010101" pitchFamily="2" charset="-122"/>
-              <a:ea typeface="宋体" panose="02010600030101010101" pitchFamily="2" charset="-122"/>
+            <a:pPr algn="ctr"/>
+            <a:r>
+              <a:rPr lang="en-US" altLang="zh-CN" sz="5400" b="1" cap="none" spc="0" dirty="0">
+                <a:ln w="9525">
+                  <a:solidFill>
+                    <a:schemeClr val="bg1"/>
+                  </a:solidFill>
+                  <a:prstDash val="solid"/>
+                </a:ln>
+                <a:solidFill>
+                  <a:schemeClr val="accent5"/>
+                </a:solidFill>
+                <a:effectLst>
+                  <a:outerShdw blurRad="12700" dist="38100" dir="2700000" algn="tl" rotWithShape="0">
+                    <a:schemeClr val="accent5">
+                      <a:lumMod val="60000"/>
+                      <a:lumOff val="40000"/>
+                    </a:schemeClr>
+                  </a:outerShdw>
+                </a:effectLst>
+              </a:rPr>
+              <a:t>Quantum Computing</a:t>
+            </a:r>
+            <a:endParaRPr lang="zh-CN" altLang="en-US" sz="5400" b="1" cap="none" spc="0" dirty="0">
+              <a:ln w="9525">
+                <a:solidFill>
+                  <a:schemeClr val="bg1"/>
+                </a:solidFill>
+                <a:prstDash val="solid"/>
+              </a:ln>
+              <a:solidFill>
+                <a:schemeClr val="accent5"/>
+              </a:solidFill>
+              <a:effectLst>
+                <a:outerShdw blurRad="12700" dist="38100" dir="2700000" algn="tl" rotWithShape="0">
+                  <a:schemeClr val="accent5">
+                    <a:lumMod val="60000"/>
+                    <a:lumOff val="40000"/>
+                  </a:schemeClr>
+                </a:outerShdw>
+              </a:effectLst>
             </a:endParaRPr>
           </a:p>
         </p:txBody>
       </p:sp>
       <p:sp>
         <p:nvSpPr>
-          <p:cNvPr id="8" name="文本框 7">
-            <a:extLst>
-              <a:ext uri="{FF2B5EF4-FFF2-40B4-BE49-F238E27FC236}">
-                <a16:creationId xmlns:a16="http://schemas.microsoft.com/office/drawing/2014/main" id="{EBFF680E-7088-4653-A68F-3E3548C01FC5}"/>
-              </a:ext>
-            </a:extLst>
-          </p:cNvPr>
-          <p:cNvSpPr txBox="1"/>
+          <p:cNvPr id="2" name="矩形 1">
+            <a:extLst>
+              <a:ext uri="{FF2B5EF4-FFF2-40B4-BE49-F238E27FC236}">
+                <a16:creationId xmlns:a16="http://schemas.microsoft.com/office/drawing/2014/main" id="{6E03CBE7-24AF-4EB9-93B4-FEA9AFBB336C}"/>
+              </a:ext>
+            </a:extLst>
+          </p:cNvPr>
+          <p:cNvSpPr/>
           <p:nvPr/>
         </p:nvSpPr>
         <p:spPr>
           <a:xfrm>
-            <a:off x="501445" y="2692794"/>
-            <a:ext cx="11523406" cy="2554545"/>
+            <a:off x="2541180" y="4167323"/>
+            <a:ext cx="7109640" cy="923330"/>
           </a:xfrm>
           <a:prstGeom prst="rect">
             <a:avLst/>
@@ -5234,144 +5386,33 @@
           <a:noFill/>
         </p:spPr>
         <p:txBody>
-          <a:bodyPr wrap="square">
+          <a:bodyPr wrap="none" lIns="91440" tIns="45720" rIns="91440" bIns="45720">
             <a:spAutoFit/>
           </a:bodyPr>
           <a:lstStyle/>
           <a:p>
-            <a:pPr algn="l" fontAlgn="base"/>
-            <a:r>
-              <a:rPr lang="en-US" altLang="zh-CN" sz="3200" b="0" i="0" dirty="0">
-                <a:solidFill>
-                  <a:srgbClr val="0E0E0E"/>
-                </a:solidFill>
-                <a:effectLst/>
-                <a:latin typeface="宋体" panose="02010600030101010101" pitchFamily="2" charset="-122"/>
-                <a:ea typeface="宋体" panose="02010600030101010101" pitchFamily="2" charset="-122"/>
-              </a:rPr>
-              <a:t>2019</a:t>
-            </a:r>
-            <a:r>
-              <a:rPr lang="zh-CN" altLang="en-US" sz="3200" b="0" i="0" dirty="0">
-                <a:solidFill>
-                  <a:srgbClr val="0E0E0E"/>
-                </a:solidFill>
-                <a:effectLst/>
-                <a:latin typeface="宋体" panose="02010600030101010101" pitchFamily="2" charset="-122"/>
-                <a:ea typeface="宋体" panose="02010600030101010101" pitchFamily="2" charset="-122"/>
-              </a:rPr>
-              <a:t>年，谷歌在</a:t>
-            </a:r>
-            <a:r>
-              <a:rPr lang="en-US" altLang="zh-CN" sz="3200" dirty="0">
-                <a:solidFill>
-                  <a:srgbClr val="0E0E0E"/>
-                </a:solidFill>
-                <a:latin typeface="宋体" panose="02010600030101010101" pitchFamily="2" charset="-122"/>
-                <a:ea typeface="宋体" panose="02010600030101010101" pitchFamily="2" charset="-122"/>
-              </a:rPr>
-              <a:t>Nature</a:t>
-            </a:r>
-            <a:r>
-              <a:rPr lang="zh-CN" altLang="en-US" sz="3200" dirty="0">
-                <a:solidFill>
-                  <a:srgbClr val="0E0E0E"/>
-                </a:solidFill>
-                <a:latin typeface="宋体" panose="02010600030101010101" pitchFamily="2" charset="-122"/>
-                <a:ea typeface="宋体" panose="02010600030101010101" pitchFamily="2" charset="-122"/>
-              </a:rPr>
-              <a:t>上发表论文，声称</a:t>
-            </a:r>
-            <a:r>
-              <a:rPr lang="zh-CN" altLang="en-US" sz="3200" b="0" i="0" dirty="0">
-                <a:solidFill>
-                  <a:srgbClr val="0E0E0E"/>
-                </a:solidFill>
-                <a:effectLst/>
-                <a:latin typeface="宋体" panose="02010600030101010101" pitchFamily="2" charset="-122"/>
-                <a:ea typeface="宋体" panose="02010600030101010101" pitchFamily="2" charset="-122"/>
-              </a:rPr>
-              <a:t>实现“量子霸权”：谷歌打造出第一台能够超越当今最强大的超级计算机能力的量子计算机！</a:t>
-            </a:r>
-          </a:p>
-          <a:p>
-            <a:pPr algn="l" fontAlgn="base"/>
-            <a:r>
-              <a:rPr lang="zh-CN" altLang="en-US" sz="3200" b="0" i="0" dirty="0">
-                <a:solidFill>
-                  <a:srgbClr val="0E0E0E"/>
-                </a:solidFill>
-                <a:effectLst/>
-                <a:latin typeface="宋体" panose="02010600030101010101" pitchFamily="2" charset="-122"/>
-                <a:ea typeface="宋体" panose="02010600030101010101" pitchFamily="2" charset="-122"/>
-              </a:rPr>
-              <a:t>该量子系统只用了 </a:t>
-            </a:r>
-            <a:r>
-              <a:rPr lang="en-US" altLang="zh-CN" sz="3200" b="0" i="0" dirty="0">
-                <a:solidFill>
-                  <a:srgbClr val="0E0E0E"/>
-                </a:solidFill>
-                <a:effectLst/>
-                <a:latin typeface="宋体" panose="02010600030101010101" pitchFamily="2" charset="-122"/>
-                <a:ea typeface="宋体" panose="02010600030101010101" pitchFamily="2" charset="-122"/>
-              </a:rPr>
-              <a:t>200</a:t>
-            </a:r>
-            <a:r>
-              <a:rPr lang="zh-CN" altLang="en-US" sz="3200" b="0" i="0" dirty="0">
-                <a:solidFill>
-                  <a:srgbClr val="0E0E0E"/>
-                </a:solidFill>
-                <a:effectLst/>
-                <a:latin typeface="宋体" panose="02010600030101010101" pitchFamily="2" charset="-122"/>
-                <a:ea typeface="宋体" panose="02010600030101010101" pitchFamily="2" charset="-122"/>
-              </a:rPr>
-              <a:t>秒完成一个计算，而同样的计算用当今最强大的超级计算机 </a:t>
-            </a:r>
-            <a:r>
-              <a:rPr lang="en-US" altLang="zh-CN" sz="3200" b="0" i="0" dirty="0">
-                <a:solidFill>
-                  <a:srgbClr val="0E0E0E"/>
-                </a:solidFill>
-                <a:effectLst/>
-                <a:latin typeface="宋体" panose="02010600030101010101" pitchFamily="2" charset="-122"/>
-                <a:ea typeface="宋体" panose="02010600030101010101" pitchFamily="2" charset="-122"/>
-              </a:rPr>
-              <a:t>Summit</a:t>
-            </a:r>
-            <a:r>
-              <a:rPr lang="zh-CN" altLang="en-US" sz="3200" b="0" i="0" dirty="0">
-                <a:solidFill>
-                  <a:srgbClr val="0E0E0E"/>
-                </a:solidFill>
-                <a:effectLst/>
-                <a:latin typeface="宋体" panose="02010600030101010101" pitchFamily="2" charset="-122"/>
-                <a:ea typeface="宋体" panose="02010600030101010101" pitchFamily="2" charset="-122"/>
-              </a:rPr>
-              <a:t>执行，需要约</a:t>
-            </a:r>
-            <a:r>
-              <a:rPr lang="en-US" altLang="zh-CN" sz="3200" b="0" i="0" dirty="0">
-                <a:solidFill>
-                  <a:srgbClr val="0E0E0E"/>
-                </a:solidFill>
-                <a:effectLst/>
-                <a:latin typeface="宋体" panose="02010600030101010101" pitchFamily="2" charset="-122"/>
-                <a:ea typeface="宋体" panose="02010600030101010101" pitchFamily="2" charset="-122"/>
-              </a:rPr>
-              <a:t>10000</a:t>
-            </a:r>
-            <a:r>
-              <a:rPr lang="zh-CN" altLang="en-US" sz="3200" b="0" i="0" dirty="0">
-                <a:solidFill>
-                  <a:srgbClr val="0E0E0E"/>
-                </a:solidFill>
-                <a:effectLst/>
-                <a:latin typeface="宋体" panose="02010600030101010101" pitchFamily="2" charset="-122"/>
-                <a:ea typeface="宋体" panose="02010600030101010101" pitchFamily="2" charset="-122"/>
-              </a:rPr>
-              <a:t>年。</a:t>
+            <a:pPr algn="ctr"/>
+            <a:r>
+              <a:rPr lang="zh-CN" altLang="en-US" sz="5400" b="1" cap="none" spc="0" dirty="0">
+                <a:ln w="13462">
+                  <a:solidFill>
+                    <a:schemeClr val="bg1"/>
+                  </a:solidFill>
+                  <a:prstDash val="solid"/>
+                </a:ln>
+                <a:solidFill>
+                  <a:schemeClr val="tx1">
+                    <a:lumMod val="85000"/>
+                    <a:lumOff val="15000"/>
+                  </a:schemeClr>
+                </a:solidFill>
+                <a:effectLst>
+                  <a:outerShdw dist="38100" dir="2700000" algn="bl" rotWithShape="0">
+                    <a:schemeClr val="accent5"/>
+                  </a:outerShdw>
+                </a:effectLst>
+              </a:rPr>
+              <a:t>关于量子计算中的困难</a:t>
             </a:r>
           </a:p>
         </p:txBody>
@@ -5379,7 +5420,7 @@
     </p:spTree>
     <p:extLst>
       <p:ext uri="{BB962C8B-B14F-4D97-AF65-F5344CB8AC3E}">
-        <p14:creationId xmlns:p14="http://schemas.microsoft.com/office/powerpoint/2010/main" val="1204026133"/>
+        <p14:creationId xmlns:p14="http://schemas.microsoft.com/office/powerpoint/2010/main" val="994666061"/>
       </p:ext>
     </p:extLst>
   </p:cSld>
@@ -5502,10 +5543,10 @@
       </p:pic>
       <p:pic>
         <p:nvPicPr>
-          <p:cNvPr id="19458" name="Picture 2">
-            <a:extLst>
-              <a:ext uri="{FF2B5EF4-FFF2-40B4-BE49-F238E27FC236}">
-                <a16:creationId xmlns:a16="http://schemas.microsoft.com/office/drawing/2014/main" id="{6AE62726-4050-42F1-B466-2BA18AD5D90F}"/>
+          <p:cNvPr id="4098" name="Picture 2">
+            <a:extLst>
+              <a:ext uri="{FF2B5EF4-FFF2-40B4-BE49-F238E27FC236}">
+                <a16:creationId xmlns:a16="http://schemas.microsoft.com/office/drawing/2014/main" id="{FBE2061E-C18E-4D50-9E31-32051106EABA}"/>
               </a:ext>
             </a:extLst>
           </p:cNvPr>
@@ -5529,8 +5570,8 @@
         </p:blipFill>
         <p:spPr bwMode="auto">
           <a:xfrm>
-            <a:off x="1993414" y="649251"/>
-            <a:ext cx="7497250" cy="5523271"/>
+            <a:off x="1803847" y="396669"/>
+            <a:ext cx="8584305" cy="5227383"/>
           </a:xfrm>
           <a:prstGeom prst="rect">
             <a:avLst/>
@@ -5550,7 +5591,7 @@
     </p:spTree>
     <p:extLst>
       <p:ext uri="{BB962C8B-B14F-4D97-AF65-F5344CB8AC3E}">
-        <p14:creationId xmlns:p14="http://schemas.microsoft.com/office/powerpoint/2010/main" val="2123975882"/>
+        <p14:creationId xmlns:p14="http://schemas.microsoft.com/office/powerpoint/2010/main" val="1448494129"/>
       </p:ext>
     </p:extLst>
   </p:cSld>
@@ -5673,10 +5714,10 @@
       </p:pic>
       <p:sp>
         <p:nvSpPr>
-          <p:cNvPr id="6" name="文本框 5">
-            <a:extLst>
-              <a:ext uri="{FF2B5EF4-FFF2-40B4-BE49-F238E27FC236}">
-                <a16:creationId xmlns:a16="http://schemas.microsoft.com/office/drawing/2014/main" id="{8EC6CAA8-C113-417E-BDB6-6A5D65CB2AFD}"/>
+          <p:cNvPr id="12" name="文本框 11">
+            <a:extLst>
+              <a:ext uri="{FF2B5EF4-FFF2-40B4-BE49-F238E27FC236}">
+                <a16:creationId xmlns:a16="http://schemas.microsoft.com/office/drawing/2014/main" id="{ABC2B1F1-AC4D-4B23-A842-B93E7E17DC09}"/>
               </a:ext>
             </a:extLst>
           </p:cNvPr>
@@ -5685,8 +5726,8 @@
         </p:nvSpPr>
         <p:spPr>
           <a:xfrm>
-            <a:off x="-1" y="106910"/>
-            <a:ext cx="12024851" cy="4031873"/>
+            <a:off x="137652" y="231043"/>
+            <a:ext cx="11916696" cy="6001643"/>
           </a:xfrm>
           <a:prstGeom prst="rect">
             <a:avLst/>
@@ -5700,153 +5741,47 @@
           <a:lstStyle/>
           <a:p>
             <a:r>
-              <a:rPr lang="en-US" altLang="zh-CN" sz="3200" b="0" i="0" dirty="0">
-                <a:solidFill>
-                  <a:srgbClr val="333333"/>
-                </a:solidFill>
-                <a:effectLst/>
-                <a:latin typeface="宋体" panose="02010600030101010101" pitchFamily="2" charset="-122"/>
-                <a:ea typeface="宋体" panose="02010600030101010101" pitchFamily="2" charset="-122"/>
-              </a:rPr>
-              <a:t>2020</a:t>
-            </a:r>
-            <a:r>
               <a:rPr lang="zh-CN" altLang="en-US" sz="3200" b="0" i="0" dirty="0">
                 <a:solidFill>
-                  <a:srgbClr val="333333"/>
-                </a:solidFill>
-                <a:effectLst/>
-                <a:latin typeface="宋体" panose="02010600030101010101" pitchFamily="2" charset="-122"/>
-                <a:ea typeface="宋体" panose="02010600030101010101" pitchFamily="2" charset="-122"/>
-              </a:rPr>
-              <a:t>年</a:t>
-            </a:r>
-            <a:r>
-              <a:rPr lang="en-US" altLang="zh-CN" sz="3200" b="0" i="0" dirty="0">
-                <a:solidFill>
-                  <a:srgbClr val="333333"/>
-                </a:solidFill>
-                <a:effectLst/>
-                <a:latin typeface="宋体" panose="02010600030101010101" pitchFamily="2" charset="-122"/>
-                <a:ea typeface="宋体" panose="02010600030101010101" pitchFamily="2" charset="-122"/>
-              </a:rPr>
-              <a:t>12</a:t>
-            </a:r>
-            <a:r>
-              <a:rPr lang="zh-CN" altLang="en-US" sz="3200" b="0" i="0" dirty="0">
-                <a:solidFill>
-                  <a:srgbClr val="333333"/>
-                </a:solidFill>
-                <a:effectLst/>
-                <a:latin typeface="宋体" panose="02010600030101010101" pitchFamily="2" charset="-122"/>
-                <a:ea typeface="宋体" panose="02010600030101010101" pitchFamily="2" charset="-122"/>
-              </a:rPr>
-              <a:t>月</a:t>
-            </a:r>
-            <a:r>
-              <a:rPr lang="en-US" altLang="zh-CN" sz="3200" b="0" i="0" dirty="0">
-                <a:solidFill>
-                  <a:srgbClr val="333333"/>
-                </a:solidFill>
-                <a:effectLst/>
-                <a:latin typeface="宋体" panose="02010600030101010101" pitchFamily="2" charset="-122"/>
-                <a:ea typeface="宋体" panose="02010600030101010101" pitchFamily="2" charset="-122"/>
-              </a:rPr>
-              <a:t>4</a:t>
-            </a:r>
-            <a:r>
-              <a:rPr lang="zh-CN" altLang="en-US" sz="3200" b="0" i="0" dirty="0">
-                <a:solidFill>
-                  <a:srgbClr val="333333"/>
-                </a:solidFill>
-                <a:effectLst/>
-                <a:latin typeface="宋体" panose="02010600030101010101" pitchFamily="2" charset="-122"/>
-                <a:ea typeface="宋体" panose="02010600030101010101" pitchFamily="2" charset="-122"/>
-              </a:rPr>
-              <a:t>日，中国科学技术大学潘建伟、陆朝阳等组成的研究团队，与中科院上海微系统所、国家并行计算机工程技术研究中心合作，构建了</a:t>
-            </a:r>
-            <a:r>
-              <a:rPr lang="en-US" altLang="zh-CN" sz="3200" b="0" i="0" dirty="0">
-                <a:solidFill>
-                  <a:srgbClr val="333333"/>
-                </a:solidFill>
-                <a:effectLst/>
-                <a:latin typeface="宋体" panose="02010600030101010101" pitchFamily="2" charset="-122"/>
-                <a:ea typeface="宋体" panose="02010600030101010101" pitchFamily="2" charset="-122"/>
-              </a:rPr>
-              <a:t>76</a:t>
-            </a:r>
-            <a:r>
-              <a:rPr lang="zh-CN" altLang="en-US" sz="3200" b="0" i="0" dirty="0">
-                <a:solidFill>
-                  <a:srgbClr val="333333"/>
-                </a:solidFill>
-                <a:effectLst/>
-                <a:latin typeface="宋体" panose="02010600030101010101" pitchFamily="2" charset="-122"/>
-                <a:ea typeface="宋体" panose="02010600030101010101" pitchFamily="2" charset="-122"/>
-              </a:rPr>
-              <a:t>个光子的量子计算原型机“九章”，实现了具有实用前景的“高斯玻色取样”任务的快速求解。（发表于 </a:t>
-            </a:r>
-            <a:r>
-              <a:rPr lang="en-US" altLang="zh-CN" sz="3200" b="0" i="0" dirty="0">
-                <a:solidFill>
-                  <a:srgbClr val="333333"/>
-                </a:solidFill>
-                <a:effectLst/>
-                <a:latin typeface="宋体" panose="02010600030101010101" pitchFamily="2" charset="-122"/>
-                <a:ea typeface="宋体" panose="02010600030101010101" pitchFamily="2" charset="-122"/>
-              </a:rPr>
-              <a:t>Science</a:t>
-            </a:r>
-            <a:r>
-              <a:rPr lang="zh-CN" altLang="en-US" sz="3200" b="0" i="0" dirty="0">
-                <a:solidFill>
-                  <a:srgbClr val="333333"/>
-                </a:solidFill>
-                <a:effectLst/>
-                <a:latin typeface="宋体" panose="02010600030101010101" pitchFamily="2" charset="-122"/>
-                <a:ea typeface="宋体" panose="02010600030101010101" pitchFamily="2" charset="-122"/>
-              </a:rPr>
-              <a:t>）</a:t>
-            </a:r>
-            <a:endParaRPr lang="en-US" altLang="zh-CN" sz="3200" b="0" i="0" dirty="0">
-              <a:solidFill>
-                <a:srgbClr val="333333"/>
-              </a:solidFill>
-              <a:effectLst/>
-              <a:latin typeface="宋体" panose="02010600030101010101" pitchFamily="2" charset="-122"/>
-              <a:ea typeface="宋体" panose="02010600030101010101" pitchFamily="2" charset="-122"/>
-            </a:endParaRPr>
-          </a:p>
-          <a:p>
+                  <a:srgbClr val="121212"/>
+                </a:solidFill>
+                <a:effectLst/>
+                <a:latin typeface="宋体" panose="02010600030101010101" pitchFamily="2" charset="-122"/>
+                <a:ea typeface="宋体" panose="02010600030101010101" pitchFamily="2" charset="-122"/>
+              </a:rPr>
+              <a:t>在量子计算机的物理实现方面，通过量子纠错可以解决退相干等因素导致的计算错误问题。使用量子纠错的首要条件是亚阈值操作，近年来的实验进展直接显示了这个条件是可以达到的。然而，进行密码破解规模的量子计算所需的量子比特数量巨大，成为了利用肖尔算法等量子算法的主要障碍。目前看来，超导量子比特和离子阱系统相较于其他系统具有一定优势。但鉴于到容错量子计算还有几个数量级的差距，很难说会在哪一种系统中最终实现通用量子计算机。</a:t>
+            </a:r>
             <a:endParaRPr lang="en-US" altLang="zh-CN" sz="3200" dirty="0">
               <a:solidFill>
-                <a:srgbClr val="333333"/>
+                <a:srgbClr val="121212"/>
               </a:solidFill>
               <a:latin typeface="宋体" panose="02010600030101010101" pitchFamily="2" charset="-122"/>
               <a:ea typeface="宋体" panose="02010600030101010101" pitchFamily="2" charset="-122"/>
             </a:endParaRPr>
           </a:p>
           <a:p>
-            <a:pPr algn="just"/>
             <a:r>
               <a:rPr lang="zh-CN" altLang="en-US" sz="3200" b="0" i="0" dirty="0">
                 <a:solidFill>
-                  <a:srgbClr val="333333"/>
-                </a:solidFill>
-                <a:effectLst/>
-                <a:latin typeface="宋体" panose="02010600030101010101" pitchFamily="2" charset="-122"/>
-                <a:ea typeface="宋体" panose="02010600030101010101" pitchFamily="2" charset="-122"/>
-              </a:rPr>
-              <a:t>据现有理论，该量子计算系统处理高斯玻色取样的速度比目前最快的超级计算机快一百万亿倍，即“九章”一分钟完成的任务，超级计算机需要一亿年。</a:t>
-            </a:r>
+                  <a:srgbClr val="121212"/>
+                </a:solidFill>
+                <a:effectLst/>
+                <a:latin typeface="宋体" panose="02010600030101010101" pitchFamily="2" charset="-122"/>
+                <a:ea typeface="宋体" panose="02010600030101010101" pitchFamily="2" charset="-122"/>
+              </a:rPr>
+              <a:t>受限于现有技术所能提供的量子比特数量，中等规模量子计算有可能在近期内实现应用。量子变分算法能够在这些限制条件下运行，因此适用于中等规模量子计算，并且有希望解决某些经典计算机难以解决的量子化学和材料科学等研究中的重要问题。</a:t>
+            </a:r>
+            <a:endParaRPr lang="zh-CN" altLang="en-US" sz="3200" dirty="0">
+              <a:latin typeface="宋体" panose="02010600030101010101" pitchFamily="2" charset="-122"/>
+              <a:ea typeface="宋体" panose="02010600030101010101" pitchFamily="2" charset="-122"/>
+            </a:endParaRPr>
           </a:p>
         </p:txBody>
       </p:sp>
     </p:spTree>
     <p:extLst>
       <p:ext uri="{BB962C8B-B14F-4D97-AF65-F5344CB8AC3E}">
-        <p14:creationId xmlns:p14="http://schemas.microsoft.com/office/powerpoint/2010/main" val="3250716436"/>
+        <p14:creationId xmlns:p14="http://schemas.microsoft.com/office/powerpoint/2010/main" val="1929120062"/>
       </p:ext>
     </p:extLst>
   </p:cSld>
@@ -5967,57 +5902,178 @@
           </a:extLst>
         </p:spPr>
       </p:pic>
-      <p:pic>
-        <p:nvPicPr>
-          <p:cNvPr id="18434" name="Picture 2">
-            <a:extLst>
-              <a:ext uri="{FF2B5EF4-FFF2-40B4-BE49-F238E27FC236}">
-                <a16:creationId xmlns:a16="http://schemas.microsoft.com/office/drawing/2014/main" id="{0C33C89E-C8FA-495A-8B8C-140C58518141}"/>
-              </a:ext>
-            </a:extLst>
-          </p:cNvPr>
-          <p:cNvPicPr>
-            <a:picLocks noChangeAspect="1" noChangeArrowheads="1"/>
-          </p:cNvPicPr>
+      <p:sp>
+        <p:nvSpPr>
+          <p:cNvPr id="6" name="矩形 5">
+            <a:extLst>
+              <a:ext uri="{FF2B5EF4-FFF2-40B4-BE49-F238E27FC236}">
+                <a16:creationId xmlns:a16="http://schemas.microsoft.com/office/drawing/2014/main" id="{680B920A-5AD9-41E8-AFBD-6211CED56FD9}"/>
+              </a:ext>
+            </a:extLst>
+          </p:cNvPr>
+          <p:cNvSpPr/>
           <p:nvPr/>
-        </p:nvPicPr>
-        <p:blipFill>
-          <a:blip r:embed="rId4">
-            <a:extLst>
-              <a:ext uri="{28A0092B-C50C-407E-A947-70E740481C1C}">
-                <a14:useLocalDpi xmlns:a14="http://schemas.microsoft.com/office/drawing/2010/main" val="0"/>
-              </a:ext>
-            </a:extLst>
-          </a:blip>
-          <a:srcRect/>
-          <a:stretch>
-            <a:fillRect/>
-          </a:stretch>
-        </p:blipFill>
-        <p:spPr bwMode="auto">
-          <a:xfrm>
-            <a:off x="1518162" y="516501"/>
-            <a:ext cx="9434973" cy="5301879"/>
+        </p:nvSpPr>
+        <p:spPr>
+          <a:xfrm>
+            <a:off x="2663009" y="1305683"/>
+            <a:ext cx="6865982" cy="923330"/>
           </a:xfrm>
           <a:prstGeom prst="rect">
             <a:avLst/>
           </a:prstGeom>
           <a:noFill/>
-          <a:extLst>
-            <a:ext uri="{909E8E84-426E-40DD-AFC4-6F175D3DCCD1}">
-              <a14:hiddenFill xmlns:a14="http://schemas.microsoft.com/office/drawing/2010/main">
-                <a:solidFill>
-                  <a:srgbClr val="FFFFFF"/>
-                </a:solidFill>
-              </a14:hiddenFill>
-            </a:ext>
-          </a:extLst>
-        </p:spPr>
-      </p:pic>
+        </p:spPr>
+        <p:txBody>
+          <a:bodyPr wrap="none" lIns="91440" tIns="45720" rIns="91440" bIns="45720">
+            <a:spAutoFit/>
+          </a:bodyPr>
+          <a:lstStyle/>
+          <a:p>
+            <a:pPr algn="ctr"/>
+            <a:r>
+              <a:rPr lang="en-US" altLang="zh-CN" sz="5400" b="1" cap="none" spc="0" dirty="0">
+                <a:ln w="9525">
+                  <a:solidFill>
+                    <a:schemeClr val="bg1"/>
+                  </a:solidFill>
+                  <a:prstDash val="solid"/>
+                </a:ln>
+                <a:solidFill>
+                  <a:schemeClr val="accent5"/>
+                </a:solidFill>
+                <a:effectLst>
+                  <a:outerShdw blurRad="12700" dist="38100" dir="2700000" algn="tl" rotWithShape="0">
+                    <a:schemeClr val="accent5">
+                      <a:lumMod val="60000"/>
+                      <a:lumOff val="40000"/>
+                    </a:schemeClr>
+                  </a:outerShdw>
+                </a:effectLst>
+              </a:rPr>
+              <a:t>Quantum Computing</a:t>
+            </a:r>
+            <a:endParaRPr lang="zh-CN" altLang="en-US" sz="5400" b="1" cap="none" spc="0" dirty="0">
+              <a:ln w="9525">
+                <a:solidFill>
+                  <a:schemeClr val="bg1"/>
+                </a:solidFill>
+                <a:prstDash val="solid"/>
+              </a:ln>
+              <a:solidFill>
+                <a:schemeClr val="accent5"/>
+              </a:solidFill>
+              <a:effectLst>
+                <a:outerShdw blurRad="12700" dist="38100" dir="2700000" algn="tl" rotWithShape="0">
+                  <a:schemeClr val="accent5">
+                    <a:lumMod val="60000"/>
+                    <a:lumOff val="40000"/>
+                  </a:schemeClr>
+                </a:outerShdw>
+              </a:effectLst>
+            </a:endParaRPr>
+          </a:p>
+        </p:txBody>
+      </p:sp>
+      <p:sp>
+        <p:nvSpPr>
+          <p:cNvPr id="2" name="矩形 1">
+            <a:extLst>
+              <a:ext uri="{FF2B5EF4-FFF2-40B4-BE49-F238E27FC236}">
+                <a16:creationId xmlns:a16="http://schemas.microsoft.com/office/drawing/2014/main" id="{6E03CBE7-24AF-4EB9-93B4-FEA9AFBB336C}"/>
+              </a:ext>
+            </a:extLst>
+          </p:cNvPr>
+          <p:cNvSpPr/>
+          <p:nvPr/>
+        </p:nvSpPr>
+        <p:spPr>
+          <a:xfrm>
+            <a:off x="3579928" y="4167323"/>
+            <a:ext cx="5032148" cy="923330"/>
+          </a:xfrm>
+          <a:prstGeom prst="rect">
+            <a:avLst/>
+          </a:prstGeom>
+          <a:noFill/>
+        </p:spPr>
+        <p:txBody>
+          <a:bodyPr wrap="none" lIns="91440" tIns="45720" rIns="91440" bIns="45720">
+            <a:spAutoFit/>
+          </a:bodyPr>
+          <a:lstStyle/>
+          <a:p>
+            <a:pPr algn="ctr"/>
+            <a:r>
+              <a:rPr lang="zh-CN" altLang="en-US" sz="5400" b="1" dirty="0">
+                <a:ln w="13462">
+                  <a:solidFill>
+                    <a:schemeClr val="bg1"/>
+                  </a:solidFill>
+                  <a:prstDash val="solid"/>
+                </a:ln>
+                <a:solidFill>
+                  <a:schemeClr val="tx1">
+                    <a:lumMod val="85000"/>
+                    <a:lumOff val="15000"/>
+                  </a:schemeClr>
+                </a:solidFill>
+                <a:effectLst>
+                  <a:outerShdw dist="38100" dir="2700000" algn="bl" rotWithShape="0">
+                    <a:schemeClr val="accent5"/>
+                  </a:outerShdw>
+                </a:effectLst>
+              </a:rPr>
+              <a:t>量子计算的应用</a:t>
+            </a:r>
+            <a:r>
+              <a:rPr lang="en-US" altLang="zh-CN" sz="5400" b="1" dirty="0">
+                <a:ln w="13462">
+                  <a:solidFill>
+                    <a:schemeClr val="bg1"/>
+                  </a:solidFill>
+                  <a:prstDash val="solid"/>
+                </a:ln>
+                <a:solidFill>
+                  <a:schemeClr val="tx1">
+                    <a:lumMod val="85000"/>
+                    <a:lumOff val="15000"/>
+                  </a:schemeClr>
+                </a:solidFill>
+                <a:effectLst>
+                  <a:outerShdw dist="38100" dir="2700000" algn="bl" rotWithShape="0">
+                    <a:schemeClr val="accent5"/>
+                  </a:outerShdw>
+                </a:effectLst>
+              </a:rPr>
+              <a:t>	</a:t>
+            </a:r>
+            <a:endParaRPr lang="zh-CN" altLang="en-US" sz="5400" b="1" cap="none" spc="0" dirty="0">
+              <a:ln w="13462">
+                <a:solidFill>
+                  <a:schemeClr val="bg1"/>
+                </a:solidFill>
+                <a:prstDash val="solid"/>
+              </a:ln>
+              <a:solidFill>
+                <a:schemeClr val="tx1">
+                  <a:lumMod val="85000"/>
+                  <a:lumOff val="15000"/>
+                </a:schemeClr>
+              </a:solidFill>
+              <a:effectLst>
+                <a:outerShdw dist="38100" dir="2700000" algn="bl" rotWithShape="0">
+                  <a:schemeClr val="accent5"/>
+                </a:outerShdw>
+              </a:effectLst>
+            </a:endParaRPr>
+          </a:p>
+        </p:txBody>
+      </p:sp>
     </p:spTree>
     <p:extLst>
       <p:ext uri="{BB962C8B-B14F-4D97-AF65-F5344CB8AC3E}">
-        <p14:creationId xmlns:p14="http://schemas.microsoft.com/office/powerpoint/2010/main" val="980314187"/>
+        <p14:creationId xmlns:p14="http://schemas.microsoft.com/office/powerpoint/2010/main" val="1189318704"/>
       </p:ext>
     </p:extLst>
   </p:cSld>
@@ -6138,22 +6194,65 @@
           </a:extLst>
         </p:spPr>
       </p:pic>
+      <p:cxnSp>
+        <p:nvCxnSpPr>
+          <p:cNvPr id="6" name="直接连接符 5">
+            <a:extLst>
+              <a:ext uri="{FF2B5EF4-FFF2-40B4-BE49-F238E27FC236}">
+                <a16:creationId xmlns:a16="http://schemas.microsoft.com/office/drawing/2014/main" id="{22DC6377-264B-4EAD-A31F-E0E0080AE03F}"/>
+              </a:ext>
+            </a:extLst>
+          </p:cNvPr>
+          <p:cNvCxnSpPr>
+            <a:cxnSpLocks/>
+          </p:cNvCxnSpPr>
+          <p:nvPr/>
+        </p:nvCxnSpPr>
+        <p:spPr>
+          <a:xfrm>
+            <a:off x="190613" y="637079"/>
+            <a:ext cx="10729609" cy="0"/>
+          </a:xfrm>
+          <a:prstGeom prst="line">
+            <a:avLst/>
+          </a:prstGeom>
+          <a:ln w="28575">
+            <a:solidFill>
+              <a:schemeClr val="accent1"/>
+            </a:solidFill>
+          </a:ln>
+        </p:spPr>
+        <p:style>
+          <a:lnRef idx="1">
+            <a:schemeClr val="accent1"/>
+          </a:lnRef>
+          <a:fillRef idx="0">
+            <a:schemeClr val="accent1"/>
+          </a:fillRef>
+          <a:effectRef idx="0">
+            <a:schemeClr val="accent1"/>
+          </a:effectRef>
+          <a:fontRef idx="minor">
+            <a:schemeClr val="tx1"/>
+          </a:fontRef>
+        </p:style>
+      </p:cxnSp>
       <p:sp>
         <p:nvSpPr>
-          <p:cNvPr id="6" name="矩形 5">
-            <a:extLst>
-              <a:ext uri="{FF2B5EF4-FFF2-40B4-BE49-F238E27FC236}">
-                <a16:creationId xmlns:a16="http://schemas.microsoft.com/office/drawing/2014/main" id="{680B920A-5AD9-41E8-AFBD-6211CED56FD9}"/>
-              </a:ext>
-            </a:extLst>
-          </p:cNvPr>
-          <p:cNvSpPr/>
+          <p:cNvPr id="7" name="文本框 6">
+            <a:extLst>
+              <a:ext uri="{FF2B5EF4-FFF2-40B4-BE49-F238E27FC236}">
+                <a16:creationId xmlns:a16="http://schemas.microsoft.com/office/drawing/2014/main" id="{30D318FC-5CAE-44D1-9E56-EBAD4CF9CCCE}"/>
+              </a:ext>
+            </a:extLst>
+          </p:cNvPr>
+          <p:cNvSpPr txBox="1"/>
           <p:nvPr/>
         </p:nvSpPr>
         <p:spPr>
           <a:xfrm>
-            <a:off x="2663009" y="1305683"/>
-            <a:ext cx="6865982" cy="923330"/>
+            <a:off x="75892" y="0"/>
+            <a:ext cx="8346532" cy="584775"/>
           </a:xfrm>
           <a:prstGeom prst="rect">
             <a:avLst/>
@@ -6161,72 +6260,96 @@
           <a:noFill/>
         </p:spPr>
         <p:txBody>
-          <a:bodyPr wrap="none" lIns="91440" tIns="45720" rIns="91440" bIns="45720">
+          <a:bodyPr wrap="square" rtlCol="0">
             <a:spAutoFit/>
           </a:bodyPr>
           <a:lstStyle/>
           <a:p>
-            <a:pPr algn="ctr"/>
-            <a:r>
-              <a:rPr lang="en-US" altLang="zh-CN" sz="5400" b="1" cap="none" spc="0" dirty="0">
-                <a:ln w="9525">
-                  <a:solidFill>
-                    <a:schemeClr val="bg1"/>
-                  </a:solidFill>
-                  <a:prstDash val="solid"/>
-                </a:ln>
-                <a:solidFill>
-                  <a:schemeClr val="accent5"/>
-                </a:solidFill>
-                <a:effectLst>
-                  <a:outerShdw blurRad="12700" dist="38100" dir="2700000" algn="tl" rotWithShape="0">
-                    <a:schemeClr val="accent5">
-                      <a:lumMod val="60000"/>
-                      <a:lumOff val="40000"/>
-                    </a:schemeClr>
-                  </a:outerShdw>
-                </a:effectLst>
-              </a:rPr>
-              <a:t>Quantum Computing</a:t>
-            </a:r>
-            <a:endParaRPr lang="zh-CN" altLang="en-US" sz="5400" b="1" cap="none" spc="0" dirty="0">
-              <a:ln w="9525">
-                <a:solidFill>
-                  <a:schemeClr val="bg1"/>
-                </a:solidFill>
-                <a:prstDash val="solid"/>
-              </a:ln>
+            <a:r>
+              <a:rPr lang="zh-CN" altLang="en-US" sz="3200" b="1" dirty="0">
+                <a:solidFill>
+                  <a:schemeClr val="accent1">
+                    <a:lumMod val="75000"/>
+                  </a:schemeClr>
+                </a:solidFill>
+                <a:latin typeface="微软雅黑" panose="020B0503020204020204" pitchFamily="34" charset="-122"/>
+                <a:ea typeface="微软雅黑" panose="020B0503020204020204" pitchFamily="34" charset="-122"/>
+                <a:cs typeface="Times New Roman" panose="02020603050405020304" pitchFamily="18" charset="0"/>
+              </a:rPr>
+              <a:t>量子加密通信</a:t>
+            </a:r>
+            <a:r>
+              <a:rPr lang="en-US" altLang="zh-CN" sz="3200" b="1" dirty="0">
+                <a:solidFill>
+                  <a:schemeClr val="accent1">
+                    <a:lumMod val="75000"/>
+                  </a:schemeClr>
+                </a:solidFill>
+                <a:latin typeface="微软雅黑" panose="020B0503020204020204" pitchFamily="34" charset="-122"/>
+                <a:ea typeface="微软雅黑" panose="020B0503020204020204" pitchFamily="34" charset="-122"/>
+                <a:cs typeface="Times New Roman" panose="02020603050405020304" pitchFamily="18" charset="0"/>
+              </a:rPr>
+              <a:t>  </a:t>
+            </a:r>
+            <a:endParaRPr lang="zh-CN" altLang="en-US" sz="3200" b="1" dirty="0">
               <a:solidFill>
-                <a:schemeClr val="accent5"/>
+                <a:schemeClr val="accent1">
+                  <a:lumMod val="75000"/>
+                </a:schemeClr>
               </a:solidFill>
-              <a:effectLst>
-                <a:outerShdw blurRad="12700" dist="38100" dir="2700000" algn="tl" rotWithShape="0">
-                  <a:schemeClr val="accent5">
-                    <a:lumMod val="60000"/>
-                    <a:lumOff val="40000"/>
-                  </a:schemeClr>
-                </a:outerShdw>
-              </a:effectLst>
+              <a:latin typeface="微软雅黑" panose="020B0503020204020204" pitchFamily="34" charset="-122"/>
+              <a:ea typeface="微软雅黑" panose="020B0503020204020204" pitchFamily="34" charset="-122"/>
+              <a:cs typeface="Times New Roman" panose="02020603050405020304" pitchFamily="18" charset="0"/>
             </a:endParaRPr>
           </a:p>
         </p:txBody>
       </p:sp>
+      <p:pic>
+        <p:nvPicPr>
+          <p:cNvPr id="8" name="图片 7">
+            <a:extLst>
+              <a:ext uri="{FF2B5EF4-FFF2-40B4-BE49-F238E27FC236}">
+                <a16:creationId xmlns:a16="http://schemas.microsoft.com/office/drawing/2014/main" id="{00EA4128-E0C0-434C-94F0-4082231EFDCE}"/>
+              </a:ext>
+            </a:extLst>
+          </p:cNvPr>
+          <p:cNvPicPr>
+            <a:picLocks noChangeAspect="1"/>
+          </p:cNvPicPr>
+          <p:nvPr/>
+        </p:nvPicPr>
+        <p:blipFill>
+          <a:blip r:embed="rId4"/>
+          <a:stretch>
+            <a:fillRect/>
+          </a:stretch>
+        </p:blipFill>
+        <p:spPr>
+          <a:xfrm>
+            <a:off x="2689937" y="820941"/>
+            <a:ext cx="6041107" cy="2695576"/>
+          </a:xfrm>
+          <a:prstGeom prst="rect">
+            <a:avLst/>
+          </a:prstGeom>
+        </p:spPr>
+      </p:pic>
       <p:sp>
         <p:nvSpPr>
-          <p:cNvPr id="2" name="矩形 1">
-            <a:extLst>
-              <a:ext uri="{FF2B5EF4-FFF2-40B4-BE49-F238E27FC236}">
-                <a16:creationId xmlns:a16="http://schemas.microsoft.com/office/drawing/2014/main" id="{6E03CBE7-24AF-4EB9-93B4-FEA9AFBB336C}"/>
-              </a:ext>
-            </a:extLst>
-          </p:cNvPr>
-          <p:cNvSpPr/>
+          <p:cNvPr id="9" name="文本框 8">
+            <a:extLst>
+              <a:ext uri="{FF2B5EF4-FFF2-40B4-BE49-F238E27FC236}">
+                <a16:creationId xmlns:a16="http://schemas.microsoft.com/office/drawing/2014/main" id="{01C095C7-DBAC-4692-AAF8-7FF250FA8860}"/>
+              </a:ext>
+            </a:extLst>
+          </p:cNvPr>
+          <p:cNvSpPr txBox="1"/>
           <p:nvPr/>
         </p:nvSpPr>
         <p:spPr>
           <a:xfrm>
-            <a:off x="2541180" y="4167323"/>
-            <a:ext cx="7109640" cy="923330"/>
+            <a:off x="383458" y="3450836"/>
+            <a:ext cx="11454580" cy="1569660"/>
           </a:xfrm>
           <a:prstGeom prst="rect">
             <a:avLst/>
@@ -6234,41 +6357,117 @@
           <a:noFill/>
         </p:spPr>
         <p:txBody>
-          <a:bodyPr wrap="none" lIns="91440" tIns="45720" rIns="91440" bIns="45720">
+          <a:bodyPr wrap="square">
             <a:spAutoFit/>
           </a:bodyPr>
           <a:lstStyle/>
           <a:p>
-            <a:pPr algn="ctr"/>
-            <a:r>
-              <a:rPr lang="zh-CN" altLang="en-US" sz="5400" b="1" cap="none" spc="0" dirty="0">
-                <a:ln w="13462">
-                  <a:solidFill>
-                    <a:schemeClr val="bg1"/>
-                  </a:solidFill>
-                  <a:prstDash val="solid"/>
-                </a:ln>
-                <a:solidFill>
-                  <a:schemeClr val="tx1">
-                    <a:lumMod val="85000"/>
-                    <a:lumOff val="15000"/>
-                  </a:schemeClr>
-                </a:solidFill>
-                <a:effectLst>
-                  <a:outerShdw dist="38100" dir="2700000" algn="bl" rotWithShape="0">
-                    <a:schemeClr val="accent5"/>
-                  </a:outerShdw>
-                </a:effectLst>
-              </a:rPr>
-              <a:t>关于量子计算中的困难</a:t>
-            </a:r>
+            <a:r>
+              <a:rPr lang="zh-CN" altLang="en-US" sz="3200" b="1" i="0" dirty="0">
+                <a:solidFill>
+                  <a:srgbClr val="202122"/>
+                </a:solidFill>
+                <a:effectLst/>
+                <a:latin typeface="宋体" panose="02010600030101010101" pitchFamily="2" charset="-122"/>
+                <a:ea typeface="宋体" panose="02010600030101010101" pitchFamily="2" charset="-122"/>
+              </a:rPr>
+              <a:t>量子加密通信</a:t>
+            </a:r>
+            <a:r>
+              <a:rPr lang="zh-CN" altLang="en-US" sz="3200" b="0" i="0" dirty="0">
+                <a:solidFill>
+                  <a:srgbClr val="202122"/>
+                </a:solidFill>
+                <a:effectLst/>
+                <a:latin typeface="宋体" panose="02010600030101010101" pitchFamily="2" charset="-122"/>
+                <a:ea typeface="宋体" panose="02010600030101010101" pitchFamily="2" charset="-122"/>
+              </a:rPr>
+              <a:t>，是指在多个通信节点间，利用</a:t>
+            </a:r>
+            <a:r>
+              <a:rPr lang="zh-CN" altLang="en-US" sz="3200" b="0" i="0" u="none" strike="noStrike" dirty="0">
+                <a:solidFill>
+                  <a:srgbClr val="0645AD"/>
+                </a:solidFill>
+                <a:effectLst/>
+                <a:latin typeface="宋体" panose="02010600030101010101" pitchFamily="2" charset="-122"/>
+                <a:ea typeface="宋体" panose="02010600030101010101" pitchFamily="2" charset="-122"/>
+                <a:hlinkClick r:id="rId5" tooltip="量子密钥分发"/>
+              </a:rPr>
+              <a:t>量子密钥分发</a:t>
+            </a:r>
+            <a:r>
+              <a:rPr lang="zh-CN" altLang="en-US" sz="3200" b="0" i="0" dirty="0">
+                <a:solidFill>
+                  <a:srgbClr val="202122"/>
+                </a:solidFill>
+                <a:effectLst/>
+                <a:latin typeface="宋体" panose="02010600030101010101" pitchFamily="2" charset="-122"/>
+                <a:ea typeface="宋体" panose="02010600030101010101" pitchFamily="2" charset="-122"/>
+              </a:rPr>
+              <a:t>进行安全</a:t>
+            </a:r>
+            <a:r>
+              <a:rPr lang="zh-CN" altLang="en-US" sz="3200" b="0" i="0" u="none" strike="noStrike" dirty="0">
+                <a:solidFill>
+                  <a:srgbClr val="0645AD"/>
+                </a:solidFill>
+                <a:effectLst/>
+                <a:latin typeface="宋体" panose="02010600030101010101" pitchFamily="2" charset="-122"/>
+                <a:ea typeface="宋体" panose="02010600030101010101" pitchFamily="2" charset="-122"/>
+                <a:hlinkClick r:id="rId6" tooltip="通信"/>
+              </a:rPr>
+              <a:t>通信</a:t>
+            </a:r>
+            <a:r>
+              <a:rPr lang="zh-CN" altLang="en-US" sz="3200" b="0" i="0" dirty="0">
+                <a:solidFill>
+                  <a:srgbClr val="202122"/>
+                </a:solidFill>
+                <a:effectLst/>
+                <a:latin typeface="宋体" panose="02010600030101010101" pitchFamily="2" charset="-122"/>
+                <a:ea typeface="宋体" panose="02010600030101010101" pitchFamily="2" charset="-122"/>
+              </a:rPr>
+              <a:t>的网络。各节点间产生的量子</a:t>
+            </a:r>
+            <a:r>
+              <a:rPr lang="zh-CN" altLang="en-US" sz="3200" b="0" i="0" u="none" strike="noStrike" dirty="0">
+                <a:solidFill>
+                  <a:srgbClr val="0645AD"/>
+                </a:solidFill>
+                <a:effectLst/>
+                <a:latin typeface="宋体" panose="02010600030101010101" pitchFamily="2" charset="-122"/>
+                <a:ea typeface="宋体" panose="02010600030101010101" pitchFamily="2" charset="-122"/>
+                <a:hlinkClick r:id="rId7" tooltip="密钥"/>
+              </a:rPr>
+              <a:t>密钥</a:t>
+            </a:r>
+            <a:r>
+              <a:rPr lang="zh-CN" altLang="en-US" sz="3200" b="0" i="0" dirty="0">
+                <a:solidFill>
+                  <a:srgbClr val="202122"/>
+                </a:solidFill>
+                <a:effectLst/>
+                <a:latin typeface="宋体" panose="02010600030101010101" pitchFamily="2" charset="-122"/>
+                <a:ea typeface="宋体" panose="02010600030101010101" pitchFamily="2" charset="-122"/>
+              </a:rPr>
+              <a:t>可以对传统的语音、图像以及数字多媒体等通信数据进行加密和解密。</a:t>
+            </a:r>
+            <a:endParaRPr lang="en-US" altLang="zh-CN" sz="3200" b="0" i="0" dirty="0">
+              <a:solidFill>
+                <a:srgbClr val="202122"/>
+              </a:solidFill>
+              <a:effectLst/>
+              <a:latin typeface="宋体" panose="02010600030101010101" pitchFamily="2" charset="-122"/>
+              <a:ea typeface="宋体" panose="02010600030101010101" pitchFamily="2" charset="-122"/>
+            </a:endParaRPr>
           </a:p>
         </p:txBody>
       </p:sp>
     </p:spTree>
     <p:extLst>
       <p:ext uri="{BB962C8B-B14F-4D97-AF65-F5344CB8AC3E}">
-        <p14:creationId xmlns:p14="http://schemas.microsoft.com/office/powerpoint/2010/main" val="994666061"/>
+        <p14:creationId xmlns:p14="http://schemas.microsoft.com/office/powerpoint/2010/main" val="829380825"/>
       </p:ext>
     </p:extLst>
   </p:cSld>
@@ -6389,57 +6588,254 @@
           </a:extLst>
         </p:spPr>
       </p:pic>
-      <p:pic>
-        <p:nvPicPr>
-          <p:cNvPr id="4098" name="Picture 2">
-            <a:extLst>
-              <a:ext uri="{FF2B5EF4-FFF2-40B4-BE49-F238E27FC236}">
-                <a16:creationId xmlns:a16="http://schemas.microsoft.com/office/drawing/2014/main" id="{FBE2061E-C18E-4D50-9E31-32051106EABA}"/>
-              </a:ext>
-            </a:extLst>
-          </p:cNvPr>
-          <p:cNvPicPr>
-            <a:picLocks noChangeAspect="1" noChangeArrowheads="1"/>
-          </p:cNvPicPr>
+      <p:sp>
+        <p:nvSpPr>
+          <p:cNvPr id="6" name="文本框 5">
+            <a:extLst>
+              <a:ext uri="{FF2B5EF4-FFF2-40B4-BE49-F238E27FC236}">
+                <a16:creationId xmlns:a16="http://schemas.microsoft.com/office/drawing/2014/main" id="{64C8514F-E9DF-402E-A78A-77556F8B543E}"/>
+              </a:ext>
+            </a:extLst>
+          </p:cNvPr>
+          <p:cNvSpPr txBox="1"/>
           <p:nvPr/>
-        </p:nvPicPr>
-        <p:blipFill>
-          <a:blip r:embed="rId4">
-            <a:extLst>
-              <a:ext uri="{28A0092B-C50C-407E-A947-70E740481C1C}">
-                <a14:useLocalDpi xmlns:a14="http://schemas.microsoft.com/office/drawing/2010/main" val="0"/>
-              </a:ext>
-            </a:extLst>
-          </a:blip>
-          <a:srcRect/>
-          <a:stretch>
-            <a:fillRect/>
-          </a:stretch>
-        </p:blipFill>
-        <p:spPr bwMode="auto">
-          <a:xfrm>
-            <a:off x="1803847" y="396669"/>
-            <a:ext cx="8584305" cy="5227383"/>
+        </p:nvSpPr>
+        <p:spPr>
+          <a:xfrm>
+            <a:off x="98323" y="546819"/>
+            <a:ext cx="11857702" cy="4524315"/>
           </a:xfrm>
           <a:prstGeom prst="rect">
             <a:avLst/>
           </a:prstGeom>
           <a:noFill/>
-          <a:extLst>
-            <a:ext uri="{909E8E84-426E-40DD-AFC4-6F175D3DCCD1}">
-              <a14:hiddenFill xmlns:a14="http://schemas.microsoft.com/office/drawing/2010/main">
-                <a:solidFill>
-                  <a:srgbClr val="FFFFFF"/>
-                </a:solidFill>
-              </a14:hiddenFill>
-            </a:ext>
-          </a:extLst>
-        </p:spPr>
-      </p:pic>
+        </p:spPr>
+        <p:txBody>
+          <a:bodyPr wrap="square">
+            <a:spAutoFit/>
+          </a:bodyPr>
+          <a:lstStyle/>
+          <a:p>
+            <a:r>
+              <a:rPr lang="zh-CN" altLang="en-US" sz="3200" b="0" i="0" dirty="0">
+                <a:solidFill>
+                  <a:srgbClr val="202122"/>
+                </a:solidFill>
+                <a:effectLst/>
+                <a:latin typeface="宋体" panose="02010600030101010101" pitchFamily="2" charset="-122"/>
+                <a:ea typeface="宋体" panose="02010600030101010101" pitchFamily="2" charset="-122"/>
+              </a:rPr>
+              <a:t>由于量子通信线路无法通过挂接旁路窃听或拦截窃听，只要被窃听就会让</a:t>
+            </a:r>
+            <a:r>
+              <a:rPr lang="zh-CN" altLang="en-US" sz="3200" b="0" i="0" u="none" strike="noStrike" dirty="0">
+                <a:solidFill>
+                  <a:srgbClr val="0645AD"/>
+                </a:solidFill>
+                <a:effectLst/>
+                <a:latin typeface="宋体" panose="02010600030101010101" pitchFamily="2" charset="-122"/>
+                <a:ea typeface="宋体" panose="02010600030101010101" pitchFamily="2" charset="-122"/>
+                <a:hlinkClick r:id="rId4" tooltip="量子态"/>
+              </a:rPr>
+              <a:t>量子态</a:t>
+            </a:r>
+            <a:r>
+              <a:rPr lang="zh-CN" altLang="en-US" sz="3200" b="0" i="0" dirty="0">
+                <a:solidFill>
+                  <a:srgbClr val="202122"/>
+                </a:solidFill>
+                <a:effectLst/>
+                <a:latin typeface="宋体" panose="02010600030101010101" pitchFamily="2" charset="-122"/>
+                <a:ea typeface="宋体" panose="02010600030101010101" pitchFamily="2" charset="-122"/>
+              </a:rPr>
+              <a:t>发生变化从而改变通信内容，防止原文被侦知，以此实现安全的通信。</a:t>
+            </a:r>
+            <a:endParaRPr lang="en-US" altLang="zh-CN" sz="3200" b="0" i="0" dirty="0">
+              <a:solidFill>
+                <a:srgbClr val="202122"/>
+              </a:solidFill>
+              <a:effectLst/>
+              <a:latin typeface="宋体" panose="02010600030101010101" pitchFamily="2" charset="-122"/>
+              <a:ea typeface="宋体" panose="02010600030101010101" pitchFamily="2" charset="-122"/>
+            </a:endParaRPr>
+          </a:p>
+          <a:p>
+            <a:endParaRPr lang="en-US" altLang="zh-CN" sz="3200" b="0" i="0" dirty="0">
+              <a:solidFill>
+                <a:srgbClr val="202122"/>
+              </a:solidFill>
+              <a:effectLst/>
+              <a:latin typeface="宋体" panose="02010600030101010101" pitchFamily="2" charset="-122"/>
+              <a:ea typeface="宋体" panose="02010600030101010101" pitchFamily="2" charset="-122"/>
+            </a:endParaRPr>
+          </a:p>
+          <a:p>
+            <a:r>
+              <a:rPr lang="en-US" altLang="zh-CN" sz="3200" b="0" i="0" dirty="0">
+                <a:solidFill>
+                  <a:srgbClr val="202122"/>
+                </a:solidFill>
+                <a:effectLst/>
+                <a:latin typeface="宋体" panose="02010600030101010101" pitchFamily="2" charset="-122"/>
+                <a:ea typeface="宋体" panose="02010600030101010101" pitchFamily="2" charset="-122"/>
+              </a:rPr>
+              <a:t>2017</a:t>
+            </a:r>
+            <a:r>
+              <a:rPr lang="zh-CN" altLang="en-US" sz="3200" b="0" i="0" dirty="0">
+                <a:solidFill>
+                  <a:srgbClr val="202122"/>
+                </a:solidFill>
+                <a:effectLst/>
+                <a:latin typeface="宋体" panose="02010600030101010101" pitchFamily="2" charset="-122"/>
+                <a:ea typeface="宋体" panose="02010600030101010101" pitchFamily="2" charset="-122"/>
+              </a:rPr>
+              <a:t>年</a:t>
+            </a:r>
+            <a:r>
+              <a:rPr lang="en-US" altLang="zh-CN" sz="3200" b="0" i="0" dirty="0">
+                <a:solidFill>
+                  <a:srgbClr val="202122"/>
+                </a:solidFill>
+                <a:effectLst/>
+                <a:latin typeface="宋体" panose="02010600030101010101" pitchFamily="2" charset="-122"/>
+                <a:ea typeface="宋体" panose="02010600030101010101" pitchFamily="2" charset="-122"/>
+              </a:rPr>
+              <a:t>9</a:t>
+            </a:r>
+            <a:r>
+              <a:rPr lang="zh-CN" altLang="en-US" sz="3200" b="0" i="0" dirty="0">
+                <a:solidFill>
+                  <a:srgbClr val="202122"/>
+                </a:solidFill>
+                <a:effectLst/>
+                <a:latin typeface="宋体" panose="02010600030101010101" pitchFamily="2" charset="-122"/>
+                <a:ea typeface="宋体" panose="02010600030101010101" pitchFamily="2" charset="-122"/>
+              </a:rPr>
+              <a:t>月</a:t>
+            </a:r>
+            <a:r>
+              <a:rPr lang="en-US" altLang="zh-CN" sz="3200" b="0" i="0" dirty="0">
+                <a:solidFill>
+                  <a:srgbClr val="202122"/>
+                </a:solidFill>
+                <a:effectLst/>
+                <a:latin typeface="宋体" panose="02010600030101010101" pitchFamily="2" charset="-122"/>
+                <a:ea typeface="宋体" panose="02010600030101010101" pitchFamily="2" charset="-122"/>
+              </a:rPr>
+              <a:t>29</a:t>
+            </a:r>
+            <a:r>
+              <a:rPr lang="zh-CN" altLang="en-US" sz="3200" b="0" i="0" dirty="0">
+                <a:solidFill>
+                  <a:srgbClr val="202122"/>
+                </a:solidFill>
+                <a:effectLst/>
+                <a:latin typeface="宋体" panose="02010600030101010101" pitchFamily="2" charset="-122"/>
+                <a:ea typeface="宋体" panose="02010600030101010101" pitchFamily="2" charset="-122"/>
+              </a:rPr>
+              <a:t>日，世界首条量子保密通信干线“京沪干线”正式开通。当日结合京沪干线与“</a:t>
+            </a:r>
+            <a:r>
+              <a:rPr lang="zh-CN" altLang="en-US" sz="3200" b="0" i="0" u="none" strike="noStrike" dirty="0">
+                <a:solidFill>
+                  <a:srgbClr val="0645AD"/>
+                </a:solidFill>
+                <a:effectLst/>
+                <a:latin typeface="宋体" panose="02010600030101010101" pitchFamily="2" charset="-122"/>
+                <a:ea typeface="宋体" panose="02010600030101010101" pitchFamily="2" charset="-122"/>
+                <a:hlinkClick r:id="rId5" tooltip="墨子号"/>
+              </a:rPr>
+              <a:t>墨子号</a:t>
+            </a:r>
+            <a:r>
+              <a:rPr lang="zh-CN" altLang="en-US" sz="3200" b="0" i="0" dirty="0">
+                <a:solidFill>
+                  <a:srgbClr val="202122"/>
+                </a:solidFill>
+                <a:effectLst/>
+                <a:latin typeface="宋体" panose="02010600030101010101" pitchFamily="2" charset="-122"/>
+                <a:ea typeface="宋体" panose="02010600030101010101" pitchFamily="2" charset="-122"/>
+              </a:rPr>
+              <a:t>”量子卫星，成功实现人类首次洲际距离且天地链路的量子保密通信。干线连接北京、上海，贯穿济南和合肥全长</a:t>
+            </a:r>
+            <a:r>
+              <a:rPr lang="en-US" altLang="zh-CN" sz="3200" b="0" i="0" dirty="0">
+                <a:solidFill>
+                  <a:srgbClr val="202122"/>
+                </a:solidFill>
+                <a:effectLst/>
+                <a:latin typeface="宋体" panose="02010600030101010101" pitchFamily="2" charset="-122"/>
+                <a:ea typeface="宋体" panose="02010600030101010101" pitchFamily="2" charset="-122"/>
+              </a:rPr>
+              <a:t>2000</a:t>
+            </a:r>
+            <a:r>
+              <a:rPr lang="zh-CN" altLang="en-US" sz="3200" b="0" i="0" dirty="0">
+                <a:solidFill>
+                  <a:srgbClr val="202122"/>
+                </a:solidFill>
+                <a:effectLst/>
+                <a:latin typeface="宋体" panose="02010600030101010101" pitchFamily="2" charset="-122"/>
+                <a:ea typeface="宋体" panose="02010600030101010101" pitchFamily="2" charset="-122"/>
+              </a:rPr>
+              <a:t>余公里，全线路密钥率大于</a:t>
+            </a:r>
+            <a:r>
+              <a:rPr lang="en-US" altLang="zh-CN" sz="3200" b="0" i="0" dirty="0">
+                <a:solidFill>
+                  <a:srgbClr val="202122"/>
+                </a:solidFill>
+                <a:effectLst/>
+                <a:latin typeface="宋体" panose="02010600030101010101" pitchFamily="2" charset="-122"/>
+                <a:ea typeface="宋体" panose="02010600030101010101" pitchFamily="2" charset="-122"/>
+              </a:rPr>
+              <a:t>20</a:t>
+            </a:r>
+            <a:r>
+              <a:rPr lang="zh-CN" altLang="en-US" sz="3200" b="0" i="0" dirty="0">
+                <a:solidFill>
+                  <a:srgbClr val="202122"/>
+                </a:solidFill>
+                <a:effectLst/>
+                <a:latin typeface="宋体" panose="02010600030101010101" pitchFamily="2" charset="-122"/>
+                <a:ea typeface="宋体" panose="02010600030101010101" pitchFamily="2" charset="-122"/>
+              </a:rPr>
+              <a:t>千比特</a:t>
+            </a:r>
+            <a:r>
+              <a:rPr lang="en-US" altLang="zh-CN" sz="3200" b="0" i="0" dirty="0">
+                <a:solidFill>
+                  <a:srgbClr val="202122"/>
+                </a:solidFill>
+                <a:effectLst/>
+                <a:latin typeface="宋体" panose="02010600030101010101" pitchFamily="2" charset="-122"/>
+                <a:ea typeface="宋体" panose="02010600030101010101" pitchFamily="2" charset="-122"/>
+              </a:rPr>
+              <a:t>/</a:t>
+            </a:r>
+            <a:r>
+              <a:rPr lang="zh-CN" altLang="en-US" sz="3200" b="0" i="0" dirty="0">
+                <a:solidFill>
+                  <a:srgbClr val="202122"/>
+                </a:solidFill>
+                <a:effectLst/>
+                <a:latin typeface="宋体" panose="02010600030101010101" pitchFamily="2" charset="-122"/>
+                <a:ea typeface="宋体" panose="02010600030101010101" pitchFamily="2" charset="-122"/>
+              </a:rPr>
+              <a:t>秒可同时供上万用户密钥分发。</a:t>
+            </a:r>
+            <a:endParaRPr lang="zh-CN" altLang="en-US" sz="3200" dirty="0">
+              <a:latin typeface="宋体" panose="02010600030101010101" pitchFamily="2" charset="-122"/>
+              <a:ea typeface="宋体" panose="02010600030101010101" pitchFamily="2" charset="-122"/>
+            </a:endParaRPr>
+          </a:p>
+        </p:txBody>
+      </p:sp>
     </p:spTree>
     <p:extLst>
       <p:ext uri="{BB962C8B-B14F-4D97-AF65-F5344CB8AC3E}">
-        <p14:creationId xmlns:p14="http://schemas.microsoft.com/office/powerpoint/2010/main" val="1448494129"/>
+        <p14:creationId xmlns:p14="http://schemas.microsoft.com/office/powerpoint/2010/main" val="1870199920"/>
       </p:ext>
     </p:extLst>
   </p:cSld>
@@ -6811,12 +7207,55 @@
           </a:extLst>
         </p:spPr>
       </p:pic>
+      <p:cxnSp>
+        <p:nvCxnSpPr>
+          <p:cNvPr id="7" name="直接连接符 6">
+            <a:extLst>
+              <a:ext uri="{FF2B5EF4-FFF2-40B4-BE49-F238E27FC236}">
+                <a16:creationId xmlns:a16="http://schemas.microsoft.com/office/drawing/2014/main" id="{6767E262-7409-4C96-8F0A-58725980D94C}"/>
+              </a:ext>
+            </a:extLst>
+          </p:cNvPr>
+          <p:cNvCxnSpPr>
+            <a:cxnSpLocks/>
+          </p:cNvCxnSpPr>
+          <p:nvPr/>
+        </p:nvCxnSpPr>
+        <p:spPr>
+          <a:xfrm>
+            <a:off x="134384" y="625229"/>
+            <a:ext cx="10729609" cy="0"/>
+          </a:xfrm>
+          <a:prstGeom prst="line">
+            <a:avLst/>
+          </a:prstGeom>
+          <a:ln w="28575">
+            <a:solidFill>
+              <a:schemeClr val="accent1"/>
+            </a:solidFill>
+          </a:ln>
+        </p:spPr>
+        <p:style>
+          <a:lnRef idx="1">
+            <a:schemeClr val="accent1"/>
+          </a:lnRef>
+          <a:fillRef idx="0">
+            <a:schemeClr val="accent1"/>
+          </a:fillRef>
+          <a:effectRef idx="0">
+            <a:schemeClr val="accent1"/>
+          </a:effectRef>
+          <a:fontRef idx="minor">
+            <a:schemeClr val="tx1"/>
+          </a:fontRef>
+        </p:style>
+      </p:cxnSp>
       <p:sp>
         <p:nvSpPr>
-          <p:cNvPr id="12" name="文本框 11">
-            <a:extLst>
-              <a:ext uri="{FF2B5EF4-FFF2-40B4-BE49-F238E27FC236}">
-                <a16:creationId xmlns:a16="http://schemas.microsoft.com/office/drawing/2014/main" id="{ABC2B1F1-AC4D-4B23-A842-B93E7E17DC09}"/>
+          <p:cNvPr id="8" name="文本框 7">
+            <a:extLst>
+              <a:ext uri="{FF2B5EF4-FFF2-40B4-BE49-F238E27FC236}">
+                <a16:creationId xmlns:a16="http://schemas.microsoft.com/office/drawing/2014/main" id="{D8DCDD7D-C072-4EDB-BE9D-C4317547B332}"/>
               </a:ext>
             </a:extLst>
           </p:cNvPr>
@@ -6825,8 +7264,75 @@
         </p:nvSpPr>
         <p:spPr>
           <a:xfrm>
-            <a:off x="137652" y="231043"/>
-            <a:ext cx="11916696" cy="6001643"/>
+            <a:off x="19663" y="-11850"/>
+            <a:ext cx="8346532" cy="584775"/>
+          </a:xfrm>
+          <a:prstGeom prst="rect">
+            <a:avLst/>
+          </a:prstGeom>
+          <a:noFill/>
+        </p:spPr>
+        <p:txBody>
+          <a:bodyPr wrap="square" rtlCol="0">
+            <a:spAutoFit/>
+          </a:bodyPr>
+          <a:lstStyle/>
+          <a:p>
+            <a:r>
+              <a:rPr lang="zh-CN" altLang="en-US" sz="3200" b="1" dirty="0">
+                <a:solidFill>
+                  <a:schemeClr val="accent1">
+                    <a:lumMod val="75000"/>
+                  </a:schemeClr>
+                </a:solidFill>
+                <a:latin typeface="微软雅黑" panose="020B0503020204020204" pitchFamily="34" charset="-122"/>
+                <a:ea typeface="微软雅黑" panose="020B0503020204020204" pitchFamily="34" charset="-122"/>
+                <a:cs typeface="Times New Roman" panose="02020603050405020304" pitchFamily="18" charset="0"/>
+              </a:rPr>
+              <a:t>量子与人工智能加速</a:t>
+            </a:r>
+            <a:r>
+              <a:rPr lang="en-US" altLang="zh-CN" sz="3200" b="1" dirty="0">
+                <a:solidFill>
+                  <a:schemeClr val="accent1">
+                    <a:lumMod val="75000"/>
+                  </a:schemeClr>
+                </a:solidFill>
+                <a:latin typeface="微软雅黑" panose="020B0503020204020204" pitchFamily="34" charset="-122"/>
+                <a:ea typeface="微软雅黑" panose="020B0503020204020204" pitchFamily="34" charset="-122"/>
+                <a:cs typeface="Times New Roman" panose="02020603050405020304" pitchFamily="18" charset="0"/>
+              </a:rPr>
+              <a:t>  </a:t>
+            </a:r>
+            <a:endParaRPr lang="zh-CN" altLang="en-US" sz="3200" b="1" dirty="0">
+              <a:solidFill>
+                <a:schemeClr val="accent1">
+                  <a:lumMod val="75000"/>
+                </a:schemeClr>
+              </a:solidFill>
+              <a:latin typeface="微软雅黑" panose="020B0503020204020204" pitchFamily="34" charset="-122"/>
+              <a:ea typeface="微软雅黑" panose="020B0503020204020204" pitchFamily="34" charset="-122"/>
+              <a:cs typeface="Times New Roman" panose="02020603050405020304" pitchFamily="18" charset="0"/>
+            </a:endParaRPr>
+          </a:p>
+        </p:txBody>
+      </p:sp>
+      <p:sp>
+        <p:nvSpPr>
+          <p:cNvPr id="9" name="文本框 8">
+            <a:extLst>
+              <a:ext uri="{FF2B5EF4-FFF2-40B4-BE49-F238E27FC236}">
+                <a16:creationId xmlns:a16="http://schemas.microsoft.com/office/drawing/2014/main" id="{BB387412-E4A4-4EE9-A240-C35D73CF30DC}"/>
+              </a:ext>
+            </a:extLst>
+          </p:cNvPr>
+          <p:cNvSpPr txBox="1"/>
+          <p:nvPr/>
+        </p:nvSpPr>
+        <p:spPr>
+          <a:xfrm>
+            <a:off x="134384" y="1407138"/>
+            <a:ext cx="11857702" cy="4031873"/>
           </a:xfrm>
           <a:prstGeom prst="rect">
             <a:avLst/>
@@ -6842,35 +7348,170 @@
             <a:r>
               <a:rPr lang="zh-CN" altLang="en-US" sz="3200" b="0" i="0" dirty="0">
                 <a:solidFill>
+                  <a:srgbClr val="202122"/>
+                </a:solidFill>
+                <a:effectLst/>
+                <a:latin typeface="宋体" panose="02010600030101010101" pitchFamily="2" charset="-122"/>
+                <a:ea typeface="宋体" panose="02010600030101010101" pitchFamily="2" charset="-122"/>
+              </a:rPr>
+              <a:t>量子计算的主要应用目标就是解决大规模数据优化处理和特定计算困难问题。</a:t>
+            </a:r>
+            <a:r>
+              <a:rPr lang="zh-CN" altLang="en-US" sz="3200" b="0" i="0" dirty="0">
+                <a:solidFill>
                   <a:srgbClr val="121212"/>
                 </a:solidFill>
                 <a:effectLst/>
                 <a:latin typeface="宋体" panose="02010600030101010101" pitchFamily="2" charset="-122"/>
                 <a:ea typeface="宋体" panose="02010600030101010101" pitchFamily="2" charset="-122"/>
               </a:rPr>
-              <a:t>在量子计算机的物理实现方面，通过量子纠错可以解决退相干等因素导致的计算错误问题。使用量子纠错的首要条件是亚阈值操作，近年来的实验进展直接显示了这个条件是可以达到的。然而，进行密码破解规模的量子计算所需的量子比特数量巨大，成为了利用肖尔算法等量子算法的主要障碍。目前看来，超导量子比特和离子阱系统相较于其他系统具有一定优势。但鉴于到容错量子计算还有几个数量级的差距，很难说会在哪一种系统中最终实现通用量子计算机。</a:t>
-            </a:r>
-            <a:endParaRPr lang="en-US" altLang="zh-CN" sz="3200" dirty="0">
+              <a:t>机器学习在过去十几年里不断发展，对计算能力提出巨大需求，结合了量子计算高并行性的新型机器学习算法可实现对传统算法的加速优化，是目前的研究热点。</a:t>
+            </a:r>
+            <a:endParaRPr lang="en-US" altLang="zh-CN" sz="3200" b="0" i="0" dirty="0">
               <a:solidFill>
-                <a:srgbClr val="121212"/>
+                <a:srgbClr val="202122"/>
               </a:solidFill>
+              <a:effectLst/>
               <a:latin typeface="宋体" panose="02010600030101010101" pitchFamily="2" charset="-122"/>
               <a:ea typeface="宋体" panose="02010600030101010101" pitchFamily="2" charset="-122"/>
             </a:endParaRPr>
           </a:p>
           <a:p>
-            <a:r>
-              <a:rPr lang="zh-CN" altLang="en-US" sz="3200" b="0" i="0" dirty="0">
-                <a:solidFill>
-                  <a:srgbClr val="121212"/>
-                </a:solidFill>
-                <a:effectLst/>
-                <a:latin typeface="宋体" panose="02010600030101010101" pitchFamily="2" charset="-122"/>
-                <a:ea typeface="宋体" panose="02010600030101010101" pitchFamily="2" charset="-122"/>
-              </a:rPr>
-              <a:t>受限于现有技术所能提供的量子比特数量，中等规模量子计算有可能在近期内实现应用。量子变分算法能够在这些限制条件下运行，因此适用于中等规模量子计算，并且有希望解决某些经典计算机难以解决的量子化学和材料科学等研究中的重要问题。</a:t>
-            </a:r>
-            <a:endParaRPr lang="zh-CN" altLang="en-US" sz="3200" dirty="0">
+            <a:endParaRPr lang="en-US" altLang="zh-CN" sz="3200" b="0" i="0" dirty="0">
+              <a:solidFill>
+                <a:srgbClr val="202122"/>
+              </a:solidFill>
+              <a:effectLst/>
+              <a:latin typeface="宋体" panose="02010600030101010101" pitchFamily="2" charset="-122"/>
+              <a:ea typeface="宋体" panose="02010600030101010101" pitchFamily="2" charset="-122"/>
+            </a:endParaRPr>
+          </a:p>
+          <a:p>
+            <a:r>
+              <a:rPr lang="en-US" altLang="zh-CN" sz="3200" dirty="0">
+                <a:solidFill>
+                  <a:srgbClr val="202122"/>
+                </a:solidFill>
+                <a:latin typeface="宋体" panose="02010600030101010101" pitchFamily="2" charset="-122"/>
+                <a:ea typeface="宋体" panose="02010600030101010101" pitchFamily="2" charset="-122"/>
+              </a:rPr>
+              <a:t>2010</a:t>
+            </a:r>
+            <a:r>
+              <a:rPr lang="zh-CN" altLang="en-US" sz="3200" dirty="0">
+                <a:solidFill>
+                  <a:srgbClr val="202122"/>
+                </a:solidFill>
+                <a:latin typeface="宋体" panose="02010600030101010101" pitchFamily="2" charset="-122"/>
+                <a:ea typeface="宋体" panose="02010600030101010101" pitchFamily="2" charset="-122"/>
+              </a:rPr>
+              <a:t>年以来，</a:t>
+            </a:r>
+            <a:r>
+              <a:rPr lang="en-US" altLang="zh-CN" sz="3200" dirty="0" err="1">
+                <a:solidFill>
+                  <a:srgbClr val="202122"/>
+                </a:solidFill>
+                <a:latin typeface="宋体" panose="02010600030101010101" pitchFamily="2" charset="-122"/>
+                <a:ea typeface="宋体" panose="02010600030101010101" pitchFamily="2" charset="-122"/>
+              </a:rPr>
+              <a:t>google,JSR</a:t>
+            </a:r>
+            <a:r>
+              <a:rPr lang="zh-CN" altLang="en-US" sz="3200" dirty="0">
+                <a:solidFill>
+                  <a:srgbClr val="202122"/>
+                </a:solidFill>
+                <a:latin typeface="宋体" panose="02010600030101010101" pitchFamily="2" charset="-122"/>
+                <a:ea typeface="宋体" panose="02010600030101010101" pitchFamily="2" charset="-122"/>
+              </a:rPr>
+              <a:t>，三星以及一些研究中心对于利用量子计算加速人工智能进行了深入了研究，提出了量子主成分分析（</a:t>
+            </a:r>
+            <a:r>
+              <a:rPr lang="en-US" altLang="zh-CN" sz="3200" dirty="0" err="1">
+                <a:solidFill>
+                  <a:srgbClr val="202122"/>
+                </a:solidFill>
+                <a:latin typeface="宋体" panose="02010600030101010101" pitchFamily="2" charset="-122"/>
+                <a:ea typeface="宋体" panose="02010600030101010101" pitchFamily="2" charset="-122"/>
+              </a:rPr>
+              <a:t>qPCA</a:t>
+            </a:r>
+            <a:r>
+              <a:rPr lang="zh-CN" altLang="en-US" sz="3200" dirty="0">
+                <a:solidFill>
+                  <a:srgbClr val="202122"/>
+                </a:solidFill>
+                <a:latin typeface="宋体" panose="02010600030101010101" pitchFamily="2" charset="-122"/>
+                <a:ea typeface="宋体" panose="02010600030101010101" pitchFamily="2" charset="-122"/>
+              </a:rPr>
+              <a:t>）</a:t>
+            </a:r>
+            <a:r>
+              <a:rPr lang="en-US" altLang="zh-CN" sz="3200" dirty="0">
+                <a:solidFill>
+                  <a:srgbClr val="202122"/>
+                </a:solidFill>
+                <a:latin typeface="宋体" panose="02010600030101010101" pitchFamily="2" charset="-122"/>
+                <a:ea typeface="宋体" panose="02010600030101010101" pitchFamily="2" charset="-122"/>
+              </a:rPr>
+              <a:t>,</a:t>
+            </a:r>
+            <a:r>
+              <a:rPr lang="zh-CN" altLang="en-US" sz="3200" dirty="0">
+                <a:solidFill>
+                  <a:srgbClr val="202122"/>
+                </a:solidFill>
+                <a:latin typeface="宋体" panose="02010600030101010101" pitchFamily="2" charset="-122"/>
+                <a:ea typeface="宋体" panose="02010600030101010101" pitchFamily="2" charset="-122"/>
+              </a:rPr>
+              <a:t>量子支持向量机</a:t>
+            </a:r>
+            <a:r>
+              <a:rPr lang="en-US" altLang="zh-CN" sz="3200" dirty="0">
+                <a:solidFill>
+                  <a:srgbClr val="202122"/>
+                </a:solidFill>
+                <a:latin typeface="宋体" panose="02010600030101010101" pitchFamily="2" charset="-122"/>
+                <a:ea typeface="宋体" panose="02010600030101010101" pitchFamily="2" charset="-122"/>
+              </a:rPr>
+              <a:t>(</a:t>
+            </a:r>
+            <a:r>
+              <a:rPr lang="en-US" altLang="zh-CN" sz="3200" dirty="0" err="1">
+                <a:solidFill>
+                  <a:srgbClr val="202122"/>
+                </a:solidFill>
+                <a:latin typeface="宋体" panose="02010600030101010101" pitchFamily="2" charset="-122"/>
+                <a:ea typeface="宋体" panose="02010600030101010101" pitchFamily="2" charset="-122"/>
+              </a:rPr>
+              <a:t>qSVM</a:t>
+            </a:r>
+            <a:r>
+              <a:rPr lang="en-US" altLang="zh-CN" sz="3200" dirty="0">
+                <a:solidFill>
+                  <a:srgbClr val="202122"/>
+                </a:solidFill>
+                <a:latin typeface="宋体" panose="02010600030101010101" pitchFamily="2" charset="-122"/>
+                <a:ea typeface="宋体" panose="02010600030101010101" pitchFamily="2" charset="-122"/>
+              </a:rPr>
+              <a:t>)</a:t>
+            </a:r>
+            <a:r>
+              <a:rPr lang="zh-CN" altLang="en-US" sz="3200" dirty="0">
+                <a:solidFill>
+                  <a:srgbClr val="202122"/>
+                </a:solidFill>
+                <a:latin typeface="宋体" panose="02010600030101010101" pitchFamily="2" charset="-122"/>
+                <a:ea typeface="宋体" panose="02010600030101010101" pitchFamily="2" charset="-122"/>
+              </a:rPr>
+              <a:t>，量子神经网络等研究内容。</a:t>
+            </a:r>
+            <a:endParaRPr lang="en-US" altLang="zh-CN" sz="3200" b="0" i="0" dirty="0">
+              <a:solidFill>
+                <a:srgbClr val="202122"/>
+              </a:solidFill>
+              <a:effectLst/>
               <a:latin typeface="宋体" panose="02010600030101010101" pitchFamily="2" charset="-122"/>
               <a:ea typeface="宋体" panose="02010600030101010101" pitchFamily="2" charset="-122"/>
             </a:endParaRPr>
@@ -6880,7 +7521,688 @@
     </p:spTree>
     <p:extLst>
       <p:ext uri="{BB962C8B-B14F-4D97-AF65-F5344CB8AC3E}">
-        <p14:creationId xmlns:p14="http://schemas.microsoft.com/office/powerpoint/2010/main" val="1929120062"/>
+        <p14:creationId xmlns:p14="http://schemas.microsoft.com/office/powerpoint/2010/main" val="1667859135"/>
+      </p:ext>
+    </p:extLst>
+  </p:cSld>
+  <p:clrMapOvr>
+    <a:masterClrMapping/>
+  </p:clrMapOvr>
+</p:sld>
+</file>
+
+<file path=ppt/slides/slide21.xml><?xml version="1.0" encoding="utf-8"?>
+<p:sld xmlns:a="http://schemas.openxmlformats.org/drawingml/2006/main" xmlns:r="http://schemas.openxmlformats.org/officeDocument/2006/relationships" xmlns:p="http://schemas.openxmlformats.org/presentationml/2006/main">
+  <p:cSld>
+    <p:spTree>
+      <p:nvGrpSpPr>
+        <p:cNvPr id="1" name=""/>
+        <p:cNvGrpSpPr/>
+        <p:nvPr/>
+      </p:nvGrpSpPr>
+      <p:grpSpPr>
+        <a:xfrm>
+          <a:off x="0" y="0"/>
+          <a:ext cx="0" cy="0"/>
+          <a:chOff x="0" y="0"/>
+          <a:chExt cx="0" cy="0"/>
+        </a:xfrm>
+      </p:grpSpPr>
+      <p:pic>
+        <p:nvPicPr>
+          <p:cNvPr id="4" name="Picture 2" descr="计算技术研究所- 中国科学院北京分院">
+            <a:extLst>
+              <a:ext uri="{FF2B5EF4-FFF2-40B4-BE49-F238E27FC236}">
+                <a16:creationId xmlns:a16="http://schemas.microsoft.com/office/drawing/2014/main" id="{D2E17560-C8CD-4B86-888A-9B6F113F9EAE}"/>
+              </a:ext>
+            </a:extLst>
+          </p:cNvPr>
+          <p:cNvPicPr>
+            <a:picLocks noChangeAspect="1" noChangeArrowheads="1"/>
+          </p:cNvPicPr>
+          <p:nvPr/>
+        </p:nvPicPr>
+        <p:blipFill>
+          <a:blip r:embed="rId2">
+            <a:extLst>
+              <a:ext uri="{28A0092B-C50C-407E-A947-70E740481C1C}">
+                <a14:useLocalDpi xmlns:a14="http://schemas.microsoft.com/office/drawing/2010/main" val="0"/>
+              </a:ext>
+            </a:extLst>
+          </a:blip>
+          <a:srcRect/>
+          <a:stretch>
+            <a:fillRect/>
+          </a:stretch>
+        </p:blipFill>
+        <p:spPr bwMode="auto">
+          <a:xfrm>
+            <a:off x="0" y="5491316"/>
+            <a:ext cx="1389927" cy="1366684"/>
+          </a:xfrm>
+          <a:prstGeom prst="rect">
+            <a:avLst/>
+          </a:prstGeom>
+          <a:noFill/>
+          <a:extLst>
+            <a:ext uri="{909E8E84-426E-40DD-AFC4-6F175D3DCCD1}">
+              <a14:hiddenFill xmlns:a14="http://schemas.microsoft.com/office/drawing/2010/main">
+                <a:solidFill>
+                  <a:srgbClr val="FFFFFF"/>
+                </a:solidFill>
+              </a14:hiddenFill>
+            </a:ext>
+          </a:extLst>
+        </p:spPr>
+      </p:pic>
+      <p:pic>
+        <p:nvPicPr>
+          <p:cNvPr id="5" name="Picture 6" descr="中科院计算所计算机体系结构国家重点实验室">
+            <a:extLst>
+              <a:ext uri="{FF2B5EF4-FFF2-40B4-BE49-F238E27FC236}">
+                <a16:creationId xmlns:a16="http://schemas.microsoft.com/office/drawing/2014/main" id="{E70849AF-1D5B-4922-A20A-3D2E0224DA47}"/>
+              </a:ext>
+            </a:extLst>
+          </p:cNvPr>
+          <p:cNvPicPr>
+            <a:picLocks noChangeAspect="1" noChangeArrowheads="1"/>
+          </p:cNvPicPr>
+          <p:nvPr/>
+        </p:nvPicPr>
+        <p:blipFill>
+          <a:blip r:embed="rId3">
+            <a:extLst>
+              <a:ext uri="{28A0092B-C50C-407E-A947-70E740481C1C}">
+                <a14:useLocalDpi xmlns:a14="http://schemas.microsoft.com/office/drawing/2010/main" val="0"/>
+              </a:ext>
+            </a:extLst>
+          </a:blip>
+          <a:srcRect/>
+          <a:stretch>
+            <a:fillRect/>
+          </a:stretch>
+        </p:blipFill>
+        <p:spPr bwMode="auto">
+          <a:xfrm>
+            <a:off x="7148051" y="6172522"/>
+            <a:ext cx="4876800" cy="542925"/>
+          </a:xfrm>
+          <a:prstGeom prst="rect">
+            <a:avLst/>
+          </a:prstGeom>
+          <a:noFill/>
+          <a:extLst>
+            <a:ext uri="{909E8E84-426E-40DD-AFC4-6F175D3DCCD1}">
+              <a14:hiddenFill xmlns:a14="http://schemas.microsoft.com/office/drawing/2010/main">
+                <a:solidFill>
+                  <a:srgbClr val="FFFFFF"/>
+                </a:solidFill>
+              </a14:hiddenFill>
+            </a:ext>
+          </a:extLst>
+        </p:spPr>
+      </p:pic>
+      <p:pic>
+        <p:nvPicPr>
+          <p:cNvPr id="6" name="图片 5">
+            <a:extLst>
+              <a:ext uri="{FF2B5EF4-FFF2-40B4-BE49-F238E27FC236}">
+                <a16:creationId xmlns:a16="http://schemas.microsoft.com/office/drawing/2014/main" id="{456AC6AF-4A25-4571-9D96-5F099E798B98}"/>
+              </a:ext>
+            </a:extLst>
+          </p:cNvPr>
+          <p:cNvPicPr>
+            <a:picLocks noChangeAspect="1"/>
+          </p:cNvPicPr>
+          <p:nvPr/>
+        </p:nvPicPr>
+        <p:blipFill>
+          <a:blip r:embed="rId4"/>
+          <a:stretch>
+            <a:fillRect/>
+          </a:stretch>
+        </p:blipFill>
+        <p:spPr>
+          <a:xfrm>
+            <a:off x="1656075" y="903925"/>
+            <a:ext cx="8879849" cy="5050150"/>
+          </a:xfrm>
+          <a:prstGeom prst="rect">
+            <a:avLst/>
+          </a:prstGeom>
+        </p:spPr>
+      </p:pic>
+    </p:spTree>
+    <p:extLst>
+      <p:ext uri="{BB962C8B-B14F-4D97-AF65-F5344CB8AC3E}">
+        <p14:creationId xmlns:p14="http://schemas.microsoft.com/office/powerpoint/2010/main" val="3225308656"/>
+      </p:ext>
+    </p:extLst>
+  </p:cSld>
+  <p:clrMapOvr>
+    <a:masterClrMapping/>
+  </p:clrMapOvr>
+</p:sld>
+</file>
+
+<file path=ppt/slides/slide22.xml><?xml version="1.0" encoding="utf-8"?>
+<p:sld xmlns:a="http://schemas.openxmlformats.org/drawingml/2006/main" xmlns:r="http://schemas.openxmlformats.org/officeDocument/2006/relationships" xmlns:p="http://schemas.openxmlformats.org/presentationml/2006/main">
+  <p:cSld>
+    <p:spTree>
+      <p:nvGrpSpPr>
+        <p:cNvPr id="1" name=""/>
+        <p:cNvGrpSpPr/>
+        <p:nvPr/>
+      </p:nvGrpSpPr>
+      <p:grpSpPr>
+        <a:xfrm>
+          <a:off x="0" y="0"/>
+          <a:ext cx="0" cy="0"/>
+          <a:chOff x="0" y="0"/>
+          <a:chExt cx="0" cy="0"/>
+        </a:xfrm>
+      </p:grpSpPr>
+      <p:pic>
+        <p:nvPicPr>
+          <p:cNvPr id="4" name="Picture 2" descr="计算技术研究所- 中国科学院北京分院">
+            <a:extLst>
+              <a:ext uri="{FF2B5EF4-FFF2-40B4-BE49-F238E27FC236}">
+                <a16:creationId xmlns:a16="http://schemas.microsoft.com/office/drawing/2014/main" id="{D2E17560-C8CD-4B86-888A-9B6F113F9EAE}"/>
+              </a:ext>
+            </a:extLst>
+          </p:cNvPr>
+          <p:cNvPicPr>
+            <a:picLocks noChangeAspect="1" noChangeArrowheads="1"/>
+          </p:cNvPicPr>
+          <p:nvPr/>
+        </p:nvPicPr>
+        <p:blipFill>
+          <a:blip r:embed="rId2">
+            <a:extLst>
+              <a:ext uri="{28A0092B-C50C-407E-A947-70E740481C1C}">
+                <a14:useLocalDpi xmlns:a14="http://schemas.microsoft.com/office/drawing/2010/main" val="0"/>
+              </a:ext>
+            </a:extLst>
+          </a:blip>
+          <a:srcRect/>
+          <a:stretch>
+            <a:fillRect/>
+          </a:stretch>
+        </p:blipFill>
+        <p:spPr bwMode="auto">
+          <a:xfrm>
+            <a:off x="0" y="5491316"/>
+            <a:ext cx="1389927" cy="1366684"/>
+          </a:xfrm>
+          <a:prstGeom prst="rect">
+            <a:avLst/>
+          </a:prstGeom>
+          <a:noFill/>
+          <a:extLst>
+            <a:ext uri="{909E8E84-426E-40DD-AFC4-6F175D3DCCD1}">
+              <a14:hiddenFill xmlns:a14="http://schemas.microsoft.com/office/drawing/2010/main">
+                <a:solidFill>
+                  <a:srgbClr val="FFFFFF"/>
+                </a:solidFill>
+              </a14:hiddenFill>
+            </a:ext>
+          </a:extLst>
+        </p:spPr>
+      </p:pic>
+      <p:pic>
+        <p:nvPicPr>
+          <p:cNvPr id="5" name="Picture 6" descr="中科院计算所计算机体系结构国家重点实验室">
+            <a:extLst>
+              <a:ext uri="{FF2B5EF4-FFF2-40B4-BE49-F238E27FC236}">
+                <a16:creationId xmlns:a16="http://schemas.microsoft.com/office/drawing/2014/main" id="{E70849AF-1D5B-4922-A20A-3D2E0224DA47}"/>
+              </a:ext>
+            </a:extLst>
+          </p:cNvPr>
+          <p:cNvPicPr>
+            <a:picLocks noChangeAspect="1" noChangeArrowheads="1"/>
+          </p:cNvPicPr>
+          <p:nvPr/>
+        </p:nvPicPr>
+        <p:blipFill>
+          <a:blip r:embed="rId3">
+            <a:extLst>
+              <a:ext uri="{28A0092B-C50C-407E-A947-70E740481C1C}">
+                <a14:useLocalDpi xmlns:a14="http://schemas.microsoft.com/office/drawing/2010/main" val="0"/>
+              </a:ext>
+            </a:extLst>
+          </a:blip>
+          <a:srcRect/>
+          <a:stretch>
+            <a:fillRect/>
+          </a:stretch>
+        </p:blipFill>
+        <p:spPr bwMode="auto">
+          <a:xfrm>
+            <a:off x="7148051" y="6172522"/>
+            <a:ext cx="4876800" cy="542925"/>
+          </a:xfrm>
+          <a:prstGeom prst="rect">
+            <a:avLst/>
+          </a:prstGeom>
+          <a:noFill/>
+          <a:extLst>
+            <a:ext uri="{909E8E84-426E-40DD-AFC4-6F175D3DCCD1}">
+              <a14:hiddenFill xmlns:a14="http://schemas.microsoft.com/office/drawing/2010/main">
+                <a:solidFill>
+                  <a:srgbClr val="FFFFFF"/>
+                </a:solidFill>
+              </a14:hiddenFill>
+            </a:ext>
+          </a:extLst>
+        </p:spPr>
+      </p:pic>
+      <p:cxnSp>
+        <p:nvCxnSpPr>
+          <p:cNvPr id="6" name="直接连接符 5">
+            <a:extLst>
+              <a:ext uri="{FF2B5EF4-FFF2-40B4-BE49-F238E27FC236}">
+                <a16:creationId xmlns:a16="http://schemas.microsoft.com/office/drawing/2014/main" id="{69E0EF72-1B5B-44D7-9F6F-1A3C8D45DEDF}"/>
+              </a:ext>
+            </a:extLst>
+          </p:cNvPr>
+          <p:cNvCxnSpPr>
+            <a:cxnSpLocks/>
+          </p:cNvCxnSpPr>
+          <p:nvPr/>
+        </p:nvCxnSpPr>
+        <p:spPr>
+          <a:xfrm>
+            <a:off x="134384" y="625229"/>
+            <a:ext cx="10729609" cy="0"/>
+          </a:xfrm>
+          <a:prstGeom prst="line">
+            <a:avLst/>
+          </a:prstGeom>
+          <a:ln w="28575">
+            <a:solidFill>
+              <a:schemeClr val="accent1"/>
+            </a:solidFill>
+          </a:ln>
+        </p:spPr>
+        <p:style>
+          <a:lnRef idx="1">
+            <a:schemeClr val="accent1"/>
+          </a:lnRef>
+          <a:fillRef idx="0">
+            <a:schemeClr val="accent1"/>
+          </a:fillRef>
+          <a:effectRef idx="0">
+            <a:schemeClr val="accent1"/>
+          </a:effectRef>
+          <a:fontRef idx="minor">
+            <a:schemeClr val="tx1"/>
+          </a:fontRef>
+        </p:style>
+      </p:cxnSp>
+      <p:sp>
+        <p:nvSpPr>
+          <p:cNvPr id="7" name="文本框 6">
+            <a:extLst>
+              <a:ext uri="{FF2B5EF4-FFF2-40B4-BE49-F238E27FC236}">
+                <a16:creationId xmlns:a16="http://schemas.microsoft.com/office/drawing/2014/main" id="{88D02B34-ADFE-4EF4-B3C6-0ED6636011F1}"/>
+              </a:ext>
+            </a:extLst>
+          </p:cNvPr>
+          <p:cNvSpPr txBox="1"/>
+          <p:nvPr/>
+        </p:nvSpPr>
+        <p:spPr>
+          <a:xfrm>
+            <a:off x="19663" y="-11850"/>
+            <a:ext cx="8346532" cy="584775"/>
+          </a:xfrm>
+          <a:prstGeom prst="rect">
+            <a:avLst/>
+          </a:prstGeom>
+          <a:noFill/>
+        </p:spPr>
+        <p:txBody>
+          <a:bodyPr wrap="square" rtlCol="0">
+            <a:spAutoFit/>
+          </a:bodyPr>
+          <a:lstStyle/>
+          <a:p>
+            <a:r>
+              <a:rPr lang="zh-CN" altLang="en-US" sz="3200" b="1" dirty="0">
+                <a:solidFill>
+                  <a:schemeClr val="accent1">
+                    <a:lumMod val="75000"/>
+                  </a:schemeClr>
+                </a:solidFill>
+                <a:latin typeface="微软雅黑" panose="020B0503020204020204" pitchFamily="34" charset="-122"/>
+                <a:ea typeface="微软雅黑" panose="020B0503020204020204" pitchFamily="34" charset="-122"/>
+                <a:cs typeface="Times New Roman" panose="02020603050405020304" pitchFamily="18" charset="0"/>
+              </a:rPr>
+              <a:t>量子模拟与科学计算</a:t>
+            </a:r>
+            <a:r>
+              <a:rPr lang="en-US" altLang="zh-CN" sz="3200" b="1" dirty="0">
+                <a:solidFill>
+                  <a:schemeClr val="accent1">
+                    <a:lumMod val="75000"/>
+                  </a:schemeClr>
+                </a:solidFill>
+                <a:latin typeface="微软雅黑" panose="020B0503020204020204" pitchFamily="34" charset="-122"/>
+                <a:ea typeface="微软雅黑" panose="020B0503020204020204" pitchFamily="34" charset="-122"/>
+                <a:cs typeface="Times New Roman" panose="02020603050405020304" pitchFamily="18" charset="0"/>
+              </a:rPr>
+              <a:t>  </a:t>
+            </a:r>
+            <a:endParaRPr lang="zh-CN" altLang="en-US" sz="3200" b="1" dirty="0">
+              <a:solidFill>
+                <a:schemeClr val="accent1">
+                  <a:lumMod val="75000"/>
+                </a:schemeClr>
+              </a:solidFill>
+              <a:latin typeface="微软雅黑" panose="020B0503020204020204" pitchFamily="34" charset="-122"/>
+              <a:ea typeface="微软雅黑" panose="020B0503020204020204" pitchFamily="34" charset="-122"/>
+              <a:cs typeface="Times New Roman" panose="02020603050405020304" pitchFamily="18" charset="0"/>
+            </a:endParaRPr>
+          </a:p>
+        </p:txBody>
+      </p:sp>
+      <p:sp>
+        <p:nvSpPr>
+          <p:cNvPr id="8" name="文本框 7">
+            <a:extLst>
+              <a:ext uri="{FF2B5EF4-FFF2-40B4-BE49-F238E27FC236}">
+                <a16:creationId xmlns:a16="http://schemas.microsoft.com/office/drawing/2014/main" id="{3291CCF9-C7B0-43D9-A0A8-BD8D531D599D}"/>
+              </a:ext>
+            </a:extLst>
+          </p:cNvPr>
+          <p:cNvSpPr txBox="1"/>
+          <p:nvPr/>
+        </p:nvSpPr>
+        <p:spPr>
+          <a:xfrm>
+            <a:off x="358876" y="836193"/>
+            <a:ext cx="11547989" cy="1569660"/>
+          </a:xfrm>
+          <a:prstGeom prst="rect">
+            <a:avLst/>
+          </a:prstGeom>
+          <a:noFill/>
+        </p:spPr>
+        <p:txBody>
+          <a:bodyPr wrap="square">
+            <a:spAutoFit/>
+          </a:bodyPr>
+          <a:lstStyle/>
+          <a:p>
+            <a:r>
+              <a:rPr lang="zh-CN" altLang="en-US" sz="3200" b="0" i="0" dirty="0">
+                <a:solidFill>
+                  <a:srgbClr val="121212"/>
+                </a:solidFill>
+                <a:effectLst/>
+                <a:latin typeface="宋体" panose="02010600030101010101" pitchFamily="2" charset="-122"/>
+                <a:ea typeface="宋体" panose="02010600030101010101" pitchFamily="2" charset="-122"/>
+              </a:rPr>
+              <a:t>量子模拟，即在药物研究、材料科学、量子化学等领域需通过计算机来模拟量子系统，若用经典计算机则需耗费巨量计算资源，而运用量子计算机做量子模拟则最接近自然的状态</a:t>
+            </a:r>
+            <a:endParaRPr lang="zh-CN" altLang="en-US" sz="3200" dirty="0">
+              <a:latin typeface="宋体" panose="02010600030101010101" pitchFamily="2" charset="-122"/>
+              <a:ea typeface="宋体" panose="02010600030101010101" pitchFamily="2" charset="-122"/>
+            </a:endParaRPr>
+          </a:p>
+        </p:txBody>
+      </p:sp>
+      <p:sp>
+        <p:nvSpPr>
+          <p:cNvPr id="9" name="文本框 8">
+            <a:extLst>
+              <a:ext uri="{FF2B5EF4-FFF2-40B4-BE49-F238E27FC236}">
+                <a16:creationId xmlns:a16="http://schemas.microsoft.com/office/drawing/2014/main" id="{1FA9D3BC-84D8-4D6E-AE80-45DBBAF05C47}"/>
+              </a:ext>
+            </a:extLst>
+          </p:cNvPr>
+          <p:cNvSpPr txBox="1"/>
+          <p:nvPr/>
+        </p:nvSpPr>
+        <p:spPr>
+          <a:xfrm>
+            <a:off x="442452" y="3059131"/>
+            <a:ext cx="11277600" cy="1077218"/>
+          </a:xfrm>
+          <a:prstGeom prst="rect">
+            <a:avLst/>
+          </a:prstGeom>
+          <a:noFill/>
+        </p:spPr>
+        <p:txBody>
+          <a:bodyPr wrap="square">
+            <a:spAutoFit/>
+          </a:bodyPr>
+          <a:lstStyle/>
+          <a:p>
+            <a:r>
+              <a:rPr lang="zh-CN" altLang="en-US" sz="3200" b="0" i="0" dirty="0">
+                <a:solidFill>
+                  <a:srgbClr val="333333"/>
+                </a:solidFill>
+                <a:effectLst/>
+                <a:latin typeface="宋体" panose="02010600030101010101" pitchFamily="2" charset="-122"/>
+                <a:ea typeface="宋体" panose="02010600030101010101" pitchFamily="2" charset="-122"/>
+              </a:rPr>
+              <a:t>科学计算是指利用计算机再现、预测和发现客观世界运动规律和演化特征的全过程。</a:t>
+            </a:r>
+            <a:endParaRPr lang="zh-CN" altLang="en-US" sz="3200" dirty="0">
+              <a:latin typeface="宋体" panose="02010600030101010101" pitchFamily="2" charset="-122"/>
+              <a:ea typeface="宋体" panose="02010600030101010101" pitchFamily="2" charset="-122"/>
+            </a:endParaRPr>
+          </a:p>
+        </p:txBody>
+      </p:sp>
+    </p:spTree>
+    <p:extLst>
+      <p:ext uri="{BB962C8B-B14F-4D97-AF65-F5344CB8AC3E}">
+        <p14:creationId xmlns:p14="http://schemas.microsoft.com/office/powerpoint/2010/main" val="35454670"/>
+      </p:ext>
+    </p:extLst>
+  </p:cSld>
+  <p:clrMapOvr>
+    <a:masterClrMapping/>
+  </p:clrMapOvr>
+</p:sld>
+</file>
+
+<file path=ppt/slides/slide23.xml><?xml version="1.0" encoding="utf-8"?>
+<p:sld xmlns:a="http://schemas.openxmlformats.org/drawingml/2006/main" xmlns:r="http://schemas.openxmlformats.org/officeDocument/2006/relationships" xmlns:p="http://schemas.openxmlformats.org/presentationml/2006/main">
+  <p:cSld>
+    <p:spTree>
+      <p:nvGrpSpPr>
+        <p:cNvPr id="1" name=""/>
+        <p:cNvGrpSpPr/>
+        <p:nvPr/>
+      </p:nvGrpSpPr>
+      <p:grpSpPr>
+        <a:xfrm>
+          <a:off x="0" y="0"/>
+          <a:ext cx="0" cy="0"/>
+          <a:chOff x="0" y="0"/>
+          <a:chExt cx="0" cy="0"/>
+        </a:xfrm>
+      </p:grpSpPr>
+      <p:pic>
+        <p:nvPicPr>
+          <p:cNvPr id="4" name="Picture 2" descr="计算技术研究所- 中国科学院北京分院">
+            <a:extLst>
+              <a:ext uri="{FF2B5EF4-FFF2-40B4-BE49-F238E27FC236}">
+                <a16:creationId xmlns:a16="http://schemas.microsoft.com/office/drawing/2014/main" id="{D2E17560-C8CD-4B86-888A-9B6F113F9EAE}"/>
+              </a:ext>
+            </a:extLst>
+          </p:cNvPr>
+          <p:cNvPicPr>
+            <a:picLocks noChangeAspect="1" noChangeArrowheads="1"/>
+          </p:cNvPicPr>
+          <p:nvPr/>
+        </p:nvPicPr>
+        <p:blipFill>
+          <a:blip r:embed="rId2">
+            <a:extLst>
+              <a:ext uri="{28A0092B-C50C-407E-A947-70E740481C1C}">
+                <a14:useLocalDpi xmlns:a14="http://schemas.microsoft.com/office/drawing/2010/main" val="0"/>
+              </a:ext>
+            </a:extLst>
+          </a:blip>
+          <a:srcRect/>
+          <a:stretch>
+            <a:fillRect/>
+          </a:stretch>
+        </p:blipFill>
+        <p:spPr bwMode="auto">
+          <a:xfrm>
+            <a:off x="0" y="5491316"/>
+            <a:ext cx="1389927" cy="1366684"/>
+          </a:xfrm>
+          <a:prstGeom prst="rect">
+            <a:avLst/>
+          </a:prstGeom>
+          <a:noFill/>
+          <a:extLst>
+            <a:ext uri="{909E8E84-426E-40DD-AFC4-6F175D3DCCD1}">
+              <a14:hiddenFill xmlns:a14="http://schemas.microsoft.com/office/drawing/2010/main">
+                <a:solidFill>
+                  <a:srgbClr val="FFFFFF"/>
+                </a:solidFill>
+              </a14:hiddenFill>
+            </a:ext>
+          </a:extLst>
+        </p:spPr>
+      </p:pic>
+      <p:pic>
+        <p:nvPicPr>
+          <p:cNvPr id="5" name="Picture 6" descr="中科院计算所计算机体系结构国家重点实验室">
+            <a:extLst>
+              <a:ext uri="{FF2B5EF4-FFF2-40B4-BE49-F238E27FC236}">
+                <a16:creationId xmlns:a16="http://schemas.microsoft.com/office/drawing/2014/main" id="{E70849AF-1D5B-4922-A20A-3D2E0224DA47}"/>
+              </a:ext>
+            </a:extLst>
+          </p:cNvPr>
+          <p:cNvPicPr>
+            <a:picLocks noChangeAspect="1" noChangeArrowheads="1"/>
+          </p:cNvPicPr>
+          <p:nvPr/>
+        </p:nvPicPr>
+        <p:blipFill>
+          <a:blip r:embed="rId3">
+            <a:extLst>
+              <a:ext uri="{28A0092B-C50C-407E-A947-70E740481C1C}">
+                <a14:useLocalDpi xmlns:a14="http://schemas.microsoft.com/office/drawing/2010/main" val="0"/>
+              </a:ext>
+            </a:extLst>
+          </a:blip>
+          <a:srcRect/>
+          <a:stretch>
+            <a:fillRect/>
+          </a:stretch>
+        </p:blipFill>
+        <p:spPr bwMode="auto">
+          <a:xfrm>
+            <a:off x="7148051" y="6172522"/>
+            <a:ext cx="4876800" cy="542925"/>
+          </a:xfrm>
+          <a:prstGeom prst="rect">
+            <a:avLst/>
+          </a:prstGeom>
+          <a:noFill/>
+          <a:extLst>
+            <a:ext uri="{909E8E84-426E-40DD-AFC4-6F175D3DCCD1}">
+              <a14:hiddenFill xmlns:a14="http://schemas.microsoft.com/office/drawing/2010/main">
+                <a:solidFill>
+                  <a:srgbClr val="FFFFFF"/>
+                </a:solidFill>
+              </a14:hiddenFill>
+            </a:ext>
+          </a:extLst>
+        </p:spPr>
+      </p:pic>
+      <p:pic>
+        <p:nvPicPr>
+          <p:cNvPr id="1026" name="Picture 2">
+            <a:extLst>
+              <a:ext uri="{FF2B5EF4-FFF2-40B4-BE49-F238E27FC236}">
+                <a16:creationId xmlns:a16="http://schemas.microsoft.com/office/drawing/2014/main" id="{C1364AAD-C092-4CD5-AEFD-0F7975815388}"/>
+              </a:ext>
+            </a:extLst>
+          </p:cNvPr>
+          <p:cNvPicPr>
+            <a:picLocks noChangeAspect="1" noChangeArrowheads="1" noCrop="1"/>
+          </p:cNvPicPr>
+          <p:nvPr/>
+        </p:nvPicPr>
+        <p:blipFill>
+          <a:blip r:embed="rId4">
+            <a:extLst>
+              <a:ext uri="{28A0092B-C50C-407E-A947-70E740481C1C}">
+                <a14:useLocalDpi xmlns:a14="http://schemas.microsoft.com/office/drawing/2010/main" val="0"/>
+              </a:ext>
+            </a:extLst>
+          </a:blip>
+          <a:srcRect/>
+          <a:stretch>
+            <a:fillRect/>
+          </a:stretch>
+        </p:blipFill>
+        <p:spPr bwMode="auto">
+          <a:xfrm>
+            <a:off x="619432" y="201561"/>
+            <a:ext cx="5289755" cy="5289755"/>
+          </a:xfrm>
+          <a:prstGeom prst="rect">
+            <a:avLst/>
+          </a:prstGeom>
+          <a:noFill/>
+          <a:extLst>
+            <a:ext uri="{909E8E84-426E-40DD-AFC4-6F175D3DCCD1}">
+              <a14:hiddenFill xmlns:a14="http://schemas.microsoft.com/office/drawing/2010/main">
+                <a:solidFill>
+                  <a:srgbClr val="FFFFFF"/>
+                </a:solidFill>
+              </a14:hiddenFill>
+            </a:ext>
+          </a:extLst>
+        </p:spPr>
+      </p:pic>
+      <p:pic>
+        <p:nvPicPr>
+          <p:cNvPr id="7" name="图片 6">
+            <a:extLst>
+              <a:ext uri="{FF2B5EF4-FFF2-40B4-BE49-F238E27FC236}">
+                <a16:creationId xmlns:a16="http://schemas.microsoft.com/office/drawing/2014/main" id="{FC2E740A-B0F2-459A-A53F-C52DC0828DC8}"/>
+              </a:ext>
+            </a:extLst>
+          </p:cNvPr>
+          <p:cNvPicPr>
+            <a:picLocks noChangeAspect="1"/>
+          </p:cNvPicPr>
+          <p:nvPr/>
+        </p:nvPicPr>
+        <p:blipFill>
+          <a:blip r:embed="rId5"/>
+          <a:stretch>
+            <a:fillRect/>
+          </a:stretch>
+        </p:blipFill>
+        <p:spPr>
+          <a:xfrm>
+            <a:off x="6399264" y="1084313"/>
+            <a:ext cx="5391150" cy="3524250"/>
+          </a:xfrm>
+          <a:prstGeom prst="rect">
+            <a:avLst/>
+          </a:prstGeom>
+        </p:spPr>
+      </p:pic>
+    </p:spTree>
+    <p:extLst>
+      <p:ext uri="{BB962C8B-B14F-4D97-AF65-F5344CB8AC3E}">
+        <p14:creationId xmlns:p14="http://schemas.microsoft.com/office/powerpoint/2010/main" val="1290272570"/>
       </p:ext>
     </p:extLst>
   </p:cSld>
@@ -9464,8 +10786,8 @@
         </p:nvSpPr>
         <p:spPr>
           <a:xfrm>
-            <a:off x="3579928" y="4167323"/>
-            <a:ext cx="5032148" cy="923330"/>
+            <a:off x="610368" y="4167323"/>
+            <a:ext cx="10971273" cy="923330"/>
           </a:xfrm>
           <a:prstGeom prst="rect">
             <a:avLst/>
@@ -9499,7 +10821,7 @@
                   </a:outerShdw>
                 </a:effectLst>
               </a:rPr>
-              <a:t>量子计算的应用</a:t>
+              <a:t>量子霸权 （</a:t>
             </a:r>
             <a:r>
               <a:rPr lang="en-US" altLang="zh-CN" sz="5400" b="1" dirty="0">
@@ -9521,7 +10843,29 @@
                   </a:outerShdw>
                 </a:effectLst>
               </a:rPr>
-              <a:t>	</a:t>
+              <a:t>quantum supremacy</a:t>
+            </a:r>
+            <a:r>
+              <a:rPr lang="zh-CN" altLang="en-US" sz="5400" b="1" dirty="0">
+                <a:ln w="13462">
+                  <a:solidFill>
+                    <a:schemeClr val="bg1"/>
+                  </a:solidFill>
+                  <a:prstDash val="solid"/>
+                </a:ln>
+                <a:solidFill>
+                  <a:schemeClr val="tx1">
+                    <a:lumMod val="85000"/>
+                    <a:lumOff val="15000"/>
+                  </a:schemeClr>
+                </a:solidFill>
+                <a:effectLst>
+                  <a:outerShdw dist="38100" dir="2700000" algn="bl" rotWithShape="0">
+                    <a:schemeClr val="accent5"/>
+                  </a:outerShdw>
+                </a:effectLst>
+              </a:rPr>
+              <a:t>）</a:t>
             </a:r>
             <a:endParaRPr lang="zh-CN" altLang="en-US" sz="5400" b="1" cap="none" spc="0" dirty="0">
               <a:ln w="13462">
@@ -9548,7 +10892,7 @@
     </p:spTree>
     <p:extLst>
       <p:ext uri="{BB962C8B-B14F-4D97-AF65-F5344CB8AC3E}">
-        <p14:creationId xmlns:p14="http://schemas.microsoft.com/office/powerpoint/2010/main" val="829175792"/>
+        <p14:creationId xmlns:p14="http://schemas.microsoft.com/office/powerpoint/2010/main" val="3679942928"/>
       </p:ext>
     </p:extLst>
   </p:cSld>
